--- a/help/data-sheets/assets/DMeEnterpriseSupportDatasheet_2022 (1).pptx
+++ b/help/data-sheets/assets/DMeEnterpriseSupportDatasheet_2022 (1).pptx
@@ -559,7 +559,7 @@
           <a:p>
             <a:fld id="{CCB2A597-803A-C244-97E2-A01066125D19}" type="datetimeFigureOut">
               <a:rPr lang="en-US" smtClean="0"/>
-              <a:t>3/3/2022</a:t>
+              <a:t>3/24/22</a:t>
             </a:fld>
             <a:endParaRPr lang="en-US"/>
           </a:p>
@@ -1256,7 +1256,7 @@
           <a:p>
             <a:fld id="{1D8BD707-D9CF-40AE-B4C6-C98DA3205C09}" type="datetimeFigureOut">
               <a:rPr lang="en-US"/>
-              <a:t>3/3/2022</a:t>
+              <a:t>3/24/22</a:t>
             </a:fld>
             <a:endParaRPr lang="en-US"/>
           </a:p>
@@ -1496,7 +1496,7 @@
           <a:p>
             <a:fld id="{1D8BD707-D9CF-40AE-B4C6-C98DA3205C09}" type="datetimeFigureOut">
               <a:rPr lang="en-US"/>
-              <a:t>3/3/2022</a:t>
+              <a:t>3/24/22</a:t>
             </a:fld>
             <a:endParaRPr lang="en-US"/>
           </a:p>
@@ -1749,7 +1749,7 @@
           <a:p>
             <a:fld id="{1D8BD707-D9CF-40AE-B4C6-C98DA3205C09}" type="datetimeFigureOut">
               <a:rPr lang="en-US"/>
-              <a:t>3/3/2022</a:t>
+              <a:t>3/24/22</a:t>
             </a:fld>
             <a:endParaRPr lang="en-US"/>
           </a:p>
@@ -1936,7 +1936,7 @@
           <a:p>
             <a:fld id="{1D8BD707-D9CF-40AE-B4C6-C98DA3205C09}" type="datetimeFigureOut">
               <a:rPr lang="en-US"/>
-              <a:t>3/3/2022</a:t>
+              <a:t>3/24/22</a:t>
             </a:fld>
             <a:endParaRPr lang="en-US"/>
           </a:p>
@@ -2094,7 +2094,7 @@
           <a:p>
             <a:fld id="{1D8BD707-D9CF-40AE-B4C6-C98DA3205C09}" type="datetimeFigureOut">
               <a:rPr lang="en-US"/>
-              <a:t>3/3/2022</a:t>
+              <a:t>3/24/22</a:t>
             </a:fld>
             <a:endParaRPr lang="en-US"/>
           </a:p>
@@ -2352,7 +2352,7 @@
           <a:p>
             <a:fld id="{1D8BD707-D9CF-40AE-B4C6-C98DA3205C09}" type="datetimeFigureOut">
               <a:rPr lang="en-US"/>
-              <a:t>3/3/2022</a:t>
+              <a:t>3/24/22</a:t>
             </a:fld>
             <a:endParaRPr lang="en-US"/>
           </a:p>
@@ -2605,28 +2605,10 @@
               </a:spcBef>
             </a:pPr>
             <a:r>
-              <a:rPr sz="2300" dirty="0">
+              <a:rPr lang="ja-jp" sz="2300" dirty="0">
                 <a:latin typeface="Adobe Clean" panose="020B0503020404020204" pitchFamily="34" charset="0"/>
               </a:rPr>
-              <a:t>ADOBE</a:t>
-            </a:r>
-            <a:r>
-              <a:rPr lang="en-US" sz="2300" dirty="0">
-                <a:latin typeface="Adobe Clean" panose="020B0503020404020204" pitchFamily="34" charset="0"/>
-              </a:rPr>
-              <a:t> </a:t>
-            </a:r>
-            <a:r>
-              <a:rPr sz="2300" dirty="0">
-                <a:latin typeface="Adobe Clean" panose="020B0503020404020204" pitchFamily="34" charset="0"/>
-              </a:rPr>
-              <a:t>SUPPORT</a:t>
-            </a:r>
-            <a:r>
-              <a:rPr lang="en-US" sz="2300" dirty="0">
-                <a:latin typeface="Adobe Clean" panose="020B0503020404020204" pitchFamily="34" charset="0"/>
-              </a:rPr>
-              <a:t> PLANS</a:t>
+              <a:t>ADOBE 지원 플랜</a:t>
             </a:r>
             <a:endParaRPr sz="2300" dirty="0">
               <a:latin typeface="Adobe Clean" panose="020B0503020404020204" pitchFamily="34" charset="0"/>
@@ -2664,7 +2646,7 @@
               </a:spcBef>
             </a:pPr>
             <a:r>
-              <a:rPr sz="1400" b="1" u="sng" spc="15" dirty="0">
+              <a:rPr lang="ja-jp" sz="1400" b="1" u="sng" spc="15" dirty="0">
                 <a:solidFill>
                   <a:srgbClr val="020302"/>
                 </a:solidFill>
@@ -2676,70 +2658,10 @@
                 <a:latin typeface="Adobe Clean"/>
                 <a:cs typeface="Adobe Clean"/>
               </a:rPr>
-              <a:t>S</a:t>
-            </a:r>
-            <a:r>
-              <a:rPr sz="1400" b="1" u="sng" spc="5" dirty="0">
-                <a:solidFill>
-                  <a:srgbClr val="020302"/>
-                </a:solidFill>
-                <a:uFill>
-                  <a:solidFill>
-                    <a:srgbClr val="020302"/>
-                  </a:solidFill>
-                </a:uFill>
-                <a:latin typeface="Adobe Clean"/>
-                <a:cs typeface="Adobe Clean"/>
-              </a:rPr>
-              <a:t>er</a:t>
-            </a:r>
-            <a:r>
-              <a:rPr sz="1400" b="1" u="sng" spc="10" dirty="0">
-                <a:solidFill>
-                  <a:srgbClr val="020302"/>
-                </a:solidFill>
-                <a:uFill>
-                  <a:solidFill>
-                    <a:srgbClr val="020302"/>
-                  </a:solidFill>
-                </a:uFill>
-                <a:latin typeface="Adobe Clean"/>
-                <a:cs typeface="Adobe Clean"/>
-              </a:rPr>
-              <a:t>vi</a:t>
-            </a:r>
-            <a:r>
-              <a:rPr sz="1400" b="1" u="sng" spc="5" dirty="0">
-                <a:solidFill>
-                  <a:srgbClr val="020302"/>
-                </a:solidFill>
-                <a:uFill>
-                  <a:solidFill>
-                    <a:srgbClr val="020302"/>
-                  </a:solidFill>
-                </a:uFill>
-                <a:latin typeface="Adobe Clean"/>
-                <a:cs typeface="Adobe Clean"/>
-              </a:rPr>
-              <a:t>c</a:t>
-            </a:r>
-            <a:r>
-              <a:rPr sz="1400" b="1" u="sng" dirty="0">
-                <a:solidFill>
-                  <a:srgbClr val="020302"/>
-                </a:solidFill>
-                <a:uFill>
-                  <a:solidFill>
-                    <a:srgbClr val="020302"/>
-                  </a:solidFill>
-                </a:uFill>
-                <a:latin typeface="Adobe Clean"/>
-                <a:cs typeface="Adobe Clean"/>
-              </a:rPr>
-              <a:t>e</a:t>
-            </a:r>
-            <a:r>
-              <a:rPr sz="1400" b="1" u="sng" spc="20" dirty="0">
+              <a:t>서비스</a:t>
+            </a:r>
+            <a:r>
+              <a:rPr lang="ja-jp" sz="1400" b="1" u="sng" spc="20" dirty="0">
                 <a:solidFill>
                   <a:srgbClr val="020302"/>
                 </a:solidFill>
@@ -2754,7 +2676,7 @@
               <a:t> </a:t>
             </a:r>
             <a:r>
-              <a:rPr sz="1400" b="1" u="sng" spc="-15" dirty="0">
+              <a:rPr lang="ja-jp" sz="1400" b="1" u="sng" spc="-15" dirty="0">
                 <a:solidFill>
                   <a:srgbClr val="020302"/>
                 </a:solidFill>
@@ -2766,10 +2688,10 @@
                 <a:latin typeface="Adobe Clean"/>
                 <a:cs typeface="Adobe Clean"/>
               </a:rPr>
-              <a:t>Le</a:t>
-            </a:r>
-            <a:r>
-              <a:rPr sz="1400" b="1" u="sng" spc="-10" dirty="0">
+              <a:t>수준 </a:t>
+            </a:r>
+            <a:r>
+              <a:rPr lang="ja-jp" sz="1400" b="1" u="sng" spc="-55" dirty="0">
                 <a:solidFill>
                   <a:srgbClr val="020302"/>
                 </a:solidFill>
@@ -2781,10 +2703,10 @@
                 <a:latin typeface="Adobe Clean"/>
                 <a:cs typeface="Adobe Clean"/>
               </a:rPr>
-              <a:t>v</a:t>
-            </a:r>
-            <a:r>
-              <a:rPr sz="1400" b="1" u="sng" spc="-15" dirty="0">
+              <a:t>목표</a:t>
+            </a:r>
+            <a:r>
+              <a:rPr lang="ja-jp" sz="1400" b="1" u="sng" dirty="0">
                 <a:solidFill>
                   <a:srgbClr val="020302"/>
                 </a:solidFill>
@@ -2796,25 +2718,10 @@
                 <a:latin typeface="Adobe Clean"/>
                 <a:cs typeface="Adobe Clean"/>
               </a:rPr>
-              <a:t>e</a:t>
-            </a:r>
-            <a:r>
-              <a:rPr sz="1400" b="1" u="sng" dirty="0">
-                <a:solidFill>
-                  <a:srgbClr val="020302"/>
-                </a:solidFill>
-                <a:uFill>
-                  <a:solidFill>
-                    <a:srgbClr val="020302"/>
-                  </a:solidFill>
-                </a:uFill>
-                <a:latin typeface="Adobe Clean"/>
-                <a:cs typeface="Adobe Clean"/>
-              </a:rPr>
-              <a:t>l</a:t>
-            </a:r>
-            <a:r>
-              <a:rPr sz="1400" b="1" u="sng" spc="-15" dirty="0">
+              <a:t>:</a:t>
+            </a:r>
+            <a:r>
+              <a:rPr lang="ja-jp" sz="1400" b="1" u="sng" spc="-85" dirty="0">
                 <a:solidFill>
                   <a:srgbClr val="020302"/>
                 </a:solidFill>
@@ -2829,7 +2736,7 @@
               <a:t> </a:t>
             </a:r>
             <a:r>
-              <a:rPr sz="1400" b="1" u="sng" spc="-55" dirty="0">
+              <a:rPr lang="ja-jp" sz="1400" b="1" u="sng" spc="-15" dirty="0">
                 <a:solidFill>
                   <a:srgbClr val="020302"/>
                 </a:solidFill>
@@ -2841,100 +2748,10 @@
                 <a:latin typeface="Adobe Clean"/>
                 <a:cs typeface="Adobe Clean"/>
               </a:rPr>
-              <a:t>T</a:t>
-            </a:r>
-            <a:r>
-              <a:rPr sz="1400" b="1" u="sng" spc="-40" dirty="0">
-                <a:solidFill>
-                  <a:srgbClr val="020302"/>
-                </a:solidFill>
-                <a:uFill>
-                  <a:solidFill>
-                    <a:srgbClr val="020302"/>
-                  </a:solidFill>
-                </a:uFill>
-                <a:latin typeface="Adobe Clean"/>
-                <a:cs typeface="Adobe Clean"/>
-              </a:rPr>
-              <a:t>a</a:t>
-            </a:r>
-            <a:r>
-              <a:rPr sz="1400" b="1" u="sng" spc="-45" dirty="0">
-                <a:solidFill>
-                  <a:srgbClr val="020302"/>
-                </a:solidFill>
-                <a:uFill>
-                  <a:solidFill>
-                    <a:srgbClr val="020302"/>
-                  </a:solidFill>
-                </a:uFill>
-                <a:latin typeface="Adobe Clean"/>
-                <a:cs typeface="Adobe Clean"/>
-              </a:rPr>
-              <a:t>r</a:t>
-            </a:r>
-            <a:r>
-              <a:rPr sz="1400" b="1" u="sng" spc="-40" dirty="0">
-                <a:solidFill>
-                  <a:srgbClr val="020302"/>
-                </a:solidFill>
-                <a:uFill>
-                  <a:solidFill>
-                    <a:srgbClr val="020302"/>
-                  </a:solidFill>
-                </a:uFill>
-                <a:latin typeface="Adobe Clean"/>
-                <a:cs typeface="Adobe Clean"/>
-              </a:rPr>
-              <a:t>g</a:t>
-            </a:r>
-            <a:r>
-              <a:rPr sz="1400" b="1" u="sng" spc="-50" dirty="0">
-                <a:solidFill>
-                  <a:srgbClr val="020302"/>
-                </a:solidFill>
-                <a:uFill>
-                  <a:solidFill>
-                    <a:srgbClr val="020302"/>
-                  </a:solidFill>
-                </a:uFill>
-                <a:latin typeface="Adobe Clean"/>
-                <a:cs typeface="Adobe Clean"/>
-              </a:rPr>
-              <a:t>et</a:t>
-            </a:r>
-            <a:r>
-              <a:rPr sz="1400" b="1" u="sng" spc="-45" dirty="0">
-                <a:solidFill>
-                  <a:srgbClr val="020302"/>
-                </a:solidFill>
-                <a:uFill>
-                  <a:solidFill>
-                    <a:srgbClr val="020302"/>
-                  </a:solidFill>
-                </a:uFill>
-                <a:latin typeface="Adobe Clean"/>
-                <a:cs typeface="Adobe Clean"/>
-              </a:rPr>
-              <a:t>s</a:t>
-            </a:r>
-            <a:r>
-              <a:rPr sz="1400" b="1" u="sng" dirty="0">
-                <a:solidFill>
-                  <a:srgbClr val="020302"/>
-                </a:solidFill>
-                <a:uFill>
-                  <a:solidFill>
-                    <a:srgbClr val="020302"/>
-                  </a:solidFill>
-                </a:uFill>
-                <a:latin typeface="Adobe Clean"/>
-                <a:cs typeface="Adobe Clean"/>
-              </a:rPr>
-              <a:t>:</a:t>
-            </a:r>
-            <a:r>
-              <a:rPr sz="1400" b="1" u="sng" spc="-85" dirty="0">
+              <a:t>초기</a:t>
+            </a:r>
+            <a:r>
+              <a:rPr lang="ja-jp" sz="1400" b="1" u="sng" spc="-145" dirty="0">
                 <a:solidFill>
                   <a:srgbClr val="020302"/>
                 </a:solidFill>
@@ -2949,7 +2766,7 @@
               <a:t> </a:t>
             </a:r>
             <a:r>
-              <a:rPr sz="1400" b="1" u="sng" spc="-15" dirty="0">
+              <a:rPr lang="ja-jp" sz="1400" b="1" u="sng" spc="-15" dirty="0">
                 <a:solidFill>
                   <a:srgbClr val="020302"/>
                 </a:solidFill>
@@ -2961,187 +2778,7 @@
                 <a:latin typeface="Adobe Clean"/>
                 <a:cs typeface="Adobe Clean"/>
               </a:rPr>
-              <a:t>I</a:t>
-            </a:r>
-            <a:r>
-              <a:rPr sz="1400" b="1" u="sng" spc="-10" dirty="0">
-                <a:solidFill>
-                  <a:srgbClr val="020302"/>
-                </a:solidFill>
-                <a:uFill>
-                  <a:solidFill>
-                    <a:srgbClr val="020302"/>
-                  </a:solidFill>
-                </a:uFill>
-                <a:latin typeface="Adobe Clean"/>
-                <a:cs typeface="Adobe Clean"/>
-              </a:rPr>
-              <a:t>ni</a:t>
-            </a:r>
-            <a:r>
-              <a:rPr sz="1400" b="1" u="sng" spc="-15" dirty="0">
-                <a:solidFill>
-                  <a:srgbClr val="020302"/>
-                </a:solidFill>
-                <a:uFill>
-                  <a:solidFill>
-                    <a:srgbClr val="020302"/>
-                  </a:solidFill>
-                </a:uFill>
-                <a:latin typeface="Adobe Clean"/>
-                <a:cs typeface="Adobe Clean"/>
-              </a:rPr>
-              <a:t>t</a:t>
-            </a:r>
-            <a:r>
-              <a:rPr sz="1400" b="1" u="sng" spc="-10" dirty="0">
-                <a:solidFill>
-                  <a:srgbClr val="020302"/>
-                </a:solidFill>
-                <a:uFill>
-                  <a:solidFill>
-                    <a:srgbClr val="020302"/>
-                  </a:solidFill>
-                </a:uFill>
-                <a:latin typeface="Adobe Clean"/>
-                <a:cs typeface="Adobe Clean"/>
-              </a:rPr>
-              <a:t>i</a:t>
-            </a:r>
-            <a:r>
-              <a:rPr sz="1400" b="1" u="sng" spc="-5" dirty="0">
-                <a:solidFill>
-                  <a:srgbClr val="020302"/>
-                </a:solidFill>
-                <a:uFill>
-                  <a:solidFill>
-                    <a:srgbClr val="020302"/>
-                  </a:solidFill>
-                </a:uFill>
-                <a:latin typeface="Adobe Clean"/>
-                <a:cs typeface="Adobe Clean"/>
-              </a:rPr>
-              <a:t>a</a:t>
-            </a:r>
-            <a:r>
-              <a:rPr sz="1400" b="1" u="sng" dirty="0">
-                <a:solidFill>
-                  <a:srgbClr val="020302"/>
-                </a:solidFill>
-                <a:uFill>
-                  <a:solidFill>
-                    <a:srgbClr val="020302"/>
-                  </a:solidFill>
-                </a:uFill>
-                <a:latin typeface="Adobe Clean"/>
-                <a:cs typeface="Adobe Clean"/>
-              </a:rPr>
-              <a:t>l</a:t>
-            </a:r>
-            <a:r>
-              <a:rPr sz="1400" b="1" u="sng" spc="-145" dirty="0">
-                <a:solidFill>
-                  <a:srgbClr val="020302"/>
-                </a:solidFill>
-                <a:uFill>
-                  <a:solidFill>
-                    <a:srgbClr val="020302"/>
-                  </a:solidFill>
-                </a:uFill>
-                <a:latin typeface="Adobe Clean"/>
-                <a:cs typeface="Adobe Clean"/>
-              </a:rPr>
-              <a:t> </a:t>
-            </a:r>
-            <a:r>
-              <a:rPr sz="1400" b="1" u="sng" spc="-15" dirty="0">
-                <a:solidFill>
-                  <a:srgbClr val="020302"/>
-                </a:solidFill>
-                <a:uFill>
-                  <a:solidFill>
-                    <a:srgbClr val="020302"/>
-                  </a:solidFill>
-                </a:uFill>
-                <a:latin typeface="Adobe Clean"/>
-                <a:cs typeface="Adobe Clean"/>
-              </a:rPr>
-              <a:t>R</a:t>
-            </a:r>
-            <a:r>
-              <a:rPr sz="1400" b="1" u="sng" spc="-20" dirty="0">
-                <a:solidFill>
-                  <a:srgbClr val="020302"/>
-                </a:solidFill>
-                <a:uFill>
-                  <a:solidFill>
-                    <a:srgbClr val="020302"/>
-                  </a:solidFill>
-                </a:uFill>
-                <a:latin typeface="Adobe Clean"/>
-                <a:cs typeface="Adobe Clean"/>
-              </a:rPr>
-              <a:t>e</a:t>
-            </a:r>
-            <a:r>
-              <a:rPr sz="1400" b="1" u="sng" spc="-15" dirty="0">
-                <a:solidFill>
-                  <a:srgbClr val="020302"/>
-                </a:solidFill>
-                <a:uFill>
-                  <a:solidFill>
-                    <a:srgbClr val="020302"/>
-                  </a:solidFill>
-                </a:uFill>
-                <a:latin typeface="Adobe Clean"/>
-                <a:cs typeface="Adobe Clean"/>
-              </a:rPr>
-              <a:t>s</a:t>
-            </a:r>
-            <a:r>
-              <a:rPr sz="1400" b="1" u="sng" spc="-20" dirty="0">
-                <a:solidFill>
-                  <a:srgbClr val="020302"/>
-                </a:solidFill>
-                <a:uFill>
-                  <a:solidFill>
-                    <a:srgbClr val="020302"/>
-                  </a:solidFill>
-                </a:uFill>
-                <a:latin typeface="Adobe Clean"/>
-                <a:cs typeface="Adobe Clean"/>
-              </a:rPr>
-              <a:t>p</a:t>
-            </a:r>
-            <a:r>
-              <a:rPr sz="1400" b="1" u="sng" spc="-15" dirty="0">
-                <a:solidFill>
-                  <a:srgbClr val="020302"/>
-                </a:solidFill>
-                <a:uFill>
-                  <a:solidFill>
-                    <a:srgbClr val="020302"/>
-                  </a:solidFill>
-                </a:uFill>
-                <a:latin typeface="Adobe Clean"/>
-                <a:cs typeface="Adobe Clean"/>
-              </a:rPr>
-              <a:t>ons</a:t>
-            </a:r>
-            <a:r>
-              <a:rPr sz="1400" b="1" u="sng" dirty="0">
-                <a:solidFill>
-                  <a:srgbClr val="020302"/>
-                </a:solidFill>
-                <a:uFill>
-                  <a:solidFill>
-                    <a:srgbClr val="020302"/>
-                  </a:solidFill>
-                </a:uFill>
-                <a:latin typeface="Adobe Clean"/>
-                <a:cs typeface="Adobe Clean"/>
-              </a:rPr>
-              <a:t>e</a:t>
+              <a:t>대응</a:t>
             </a:r>
             <a:endParaRPr sz="1400" u="sng" dirty="0">
               <a:latin typeface="Adobe Clean"/>
@@ -3206,40 +2843,36 @@
               </a:spcBef>
             </a:pPr>
             <a:r>
-              <a:rPr spc="-10" dirty="0"/>
-              <a:t>©202</a:t>
-            </a:r>
-            <a:r>
-              <a:rPr lang="en-US" spc="-10" dirty="0"/>
-              <a:t>2 </a:t>
-            </a:r>
-            <a:r>
-              <a:rPr spc="-5" dirty="0"/>
-              <a:t>Adobe. All</a:t>
-            </a:r>
-            <a:r>
-              <a:rPr spc="-10" dirty="0"/>
+              <a:rPr lang="ja-jp" spc="-10" dirty="0"/>
+              <a:t>©2022</a:t>
+            </a:r>
+            <a:r>
+              <a:rPr lang="ja-jp" spc="-5" dirty="0"/>
+              <a:t> Adobe.All</a:t>
+            </a:r>
+            <a:r>
+              <a:rPr lang="ja-jp" spc="-10" dirty="0"/>
               <a:t> Rights</a:t>
             </a:r>
             <a:r>
-              <a:rPr spc="-5" dirty="0"/>
+              <a:rPr lang="ja-jp" spc="-5" dirty="0"/>
               <a:t> </a:t>
             </a:r>
             <a:r>
-              <a:rPr spc="-10" dirty="0"/>
+              <a:rPr lang="ja-jp" spc="-10" dirty="0"/>
               <a:t>Reserved.</a:t>
             </a:r>
             <a:r>
-              <a:rPr spc="-5" dirty="0"/>
-              <a:t> Adobe</a:t>
-            </a:r>
-            <a:r>
-              <a:rPr spc="60" dirty="0"/>
+              <a:rPr lang="ja-jp" spc="-5" dirty="0"/>
+              <a:t>Adobe</a:t>
+            </a:r>
+            <a:r>
+              <a:rPr lang="ja-jp" spc="60" dirty="0"/>
               <a:t> </a:t>
             </a:r>
             <a:r>
-              <a:rPr spc="-10" dirty="0"/>
-              <a:t>Confidential.</a:t>
+              <a:rPr lang="ja-jp" spc="-10" dirty="0"/>
+              <a:t>기밀.</a:t>
             </a:r>
           </a:p>
         </p:txBody>
@@ -3273,13 +2906,13 @@
           <a:lstStyle/>
           <a:p>
             <a:r>
-              <a:rPr lang="en-US" sz="700" i="1" dirty="0">
+              <a:rPr lang="ja-jp" sz="700" i="1" dirty="0">
                 <a:solidFill>
                   <a:schemeClr val="bg1"/>
                 </a:solidFill>
                 <a:latin typeface="Adobe Clean" panose="020B0503020404020204" pitchFamily="34" charset="0"/>
               </a:rPr>
-              <a:t>Adobe Creative Cloud / Adobe Document Cloud (including Adobe Sign)</a:t>
+              <a:t>Adobe Creative Cloud / Adobe Document Cloud (Adobe Sign 포함)</a:t>
             </a:r>
           </a:p>
         </p:txBody>
@@ -3320,16 +2953,16 @@
               </a:spcBef>
             </a:pPr>
             <a:r>
-              <a:rPr lang="en-US" sz="1200" dirty="0">
+              <a:rPr lang="ja-jp" sz="1200" dirty="0">
                 <a:solidFill>
                   <a:schemeClr val="bg1"/>
                 </a:solidFill>
                 <a:latin typeface="Adobe Clean Light"/>
               </a:rPr>
-              <a:t>Standard | Business |</a:t>
-            </a:r>
-            <a:r>
-              <a:rPr lang="en-US" sz="1200" b="1" dirty="0">
+              <a:t>표준 | 비즈니스 |</a:t>
+            </a:r>
+            <a:r>
+              <a:rPr lang="ja-jp" sz="1200" b="1" dirty="0">
                 <a:solidFill>
                   <a:schemeClr val="bg1"/>
                 </a:solidFill>
@@ -3338,15 +2971,15 @@
               <a:t> </a:t>
             </a:r>
             <a:r>
-              <a:rPr lang="en-US" sz="1200" b="1" dirty="0">
+              <a:rPr lang="ja-jp" sz="1200" b="1" dirty="0">
                 <a:solidFill>
                   <a:schemeClr val="bg1"/>
                 </a:solidFill>
               </a:rPr>
-              <a:t>Enterprise</a:t>
-            </a:r>
-            <a:r>
-              <a:rPr lang="en-US" sz="1200" b="1" dirty="0">
+              <a:t>엔터프라이즈</a:t>
+            </a:r>
+            <a:r>
+              <a:rPr lang="ja-jp" sz="1200" b="1" dirty="0">
                 <a:solidFill>
                   <a:schemeClr val="bg1"/>
                 </a:solidFill>
@@ -3355,27 +2988,23 @@
               <a:t> </a:t>
             </a:r>
             <a:r>
-              <a:rPr lang="en-US" sz="1200" dirty="0">
+              <a:rPr lang="ja-jp" sz="1200" dirty="0">
                 <a:solidFill>
                   <a:schemeClr val="bg1"/>
                 </a:solidFill>
                 <a:latin typeface="Adobe Clean Light"/>
               </a:rPr>
-              <a:t>| Elite</a:t>
-            </a:r>
-            <a:br>
-              <a:rPr lang="en-US" sz="900" dirty="0">
-                <a:latin typeface="Adobe Clean Light" panose="020B0303020404020204" pitchFamily="34" charset="0"/>
-              </a:rPr>
-            </a:br>
-            <a:r>
-              <a:rPr lang="en-US" sz="1000" dirty="0">
+              <a:t>| 엘리트</a:t>
+            </a:r>
+            <a:br/>
+            <a:r>
+              <a:rPr lang="ja-jp" sz="1000" dirty="0">
                 <a:solidFill>
                   <a:schemeClr val="bg1"/>
                 </a:solidFill>
                 <a:latin typeface="Adobe Clean SemiLight"/>
               </a:rPr>
-              <a:t>Adobe provides a comprehensive range of technical resources to help support your business included as part of your Adobe enterprise subscription. This is enhanced with the ENTERPRISE support plan. ENTERPRISE customers will benefit from our Named Support Engineer service, where a designated technical contact in the Adobe Support Team with deep experience in your solution will work in partnership with you and your technical teams to ensure timely resolution of all support requests. Your support team can also help coordinate and arrange delivery of the additional ENTERPRISE benefits ensuring minimal disruption to your business at the most critical times.  ENTERPRISE support plan customers can also take advantage of our detailed and in-depth technical product documentation and current release notes. </a:t>
+              <a:t>Adobe는 Adobe 엔터프라이즈 구독의 일부로 포함된 비즈니스를 지원하는 데 도움이 되는 포괄적인 기술 리소스를 제공합니다.엔터프라이즈 지원 플랜으로 향상되었습니다.엔터프라이즈 고객은 Adobe 지원 팀의 지정 기술 담당자가 귀사의 솔루션에 대한 풍부한 경험을 바탕으로 귀사 및 기술 팀과 협력하여 모든 지원 요청을 적시에 해결하는 지정 지원 엔지니어 서비스로부터 혜택을 얻을 수 있습니다.또한 귀사의 지원 팀은 추가 엔터프라이즈 혜택 제공을 조정하고 준비하여 가장 중요한 시기에 비즈니스 중단을 최소화할 수 있습니다. 엔터프라이즈 지원 플랜 고객은 상세한 심층적 기술 제품 설명서 및 최신 릴리스 정보를 활용할 수도 있습니다. </a:t>
             </a:r>
             <a:endParaRPr lang="en-US" sz="900" dirty="0">
               <a:solidFill>
@@ -3491,14 +3120,14 @@
                         <a:defRPr/>
                       </a:pPr>
                       <a:r>
-                        <a:rPr lang="en-US" sz="1200" spc="0" dirty="0">
+                        <a:rPr lang="ja-jp" sz="1200" spc="0" dirty="0">
                           <a:solidFill>
                             <a:srgbClr val="404040"/>
                           </a:solidFill>
                           <a:latin typeface="Adobe Clean"/>
                           <a:cs typeface="Adobe Clean"/>
                         </a:rPr>
-                        <a:t>Standard  Support</a:t>
+                        <a:t>표준 지원</a:t>
                       </a:r>
                       <a:endParaRPr lang="en-US" sz="1200" spc="0" dirty="0">
                         <a:latin typeface="Adobe Clean"/>
@@ -3544,24 +3173,14 @@
                         </a:spcBef>
                       </a:pPr>
                       <a:r>
-                        <a:rPr lang="en-US" sz="1200" spc="0" dirty="0">
+                        <a:rPr lang="ja-jp" sz="1200" spc="0" dirty="0">
                           <a:solidFill>
                             <a:srgbClr val="FFFFFF"/>
                           </a:solidFill>
                           <a:latin typeface="Adobe Clean"/>
                           <a:cs typeface="Adobe Clean"/>
                         </a:rPr>
-                        <a:t>Enterprise </a:t>
-                      </a:r>
-                      <a:r>
-                        <a:rPr sz="1200" spc="0" dirty="0">
-                          <a:solidFill>
-                            <a:srgbClr val="FFFFFF"/>
-                          </a:solidFill>
-                          <a:latin typeface="Adobe Clean"/>
-                          <a:cs typeface="Adobe Clean"/>
-                        </a:rPr>
-                        <a:t>Support</a:t>
+                        <a:t>엔터프라이즈 지원</a:t>
                       </a:r>
                       <a:endParaRPr sz="1200" spc="0" dirty="0">
                         <a:latin typeface="Adobe Clean"/>
@@ -3715,13 +3334,13 @@
                         <a:defRPr/>
                       </a:pPr>
                       <a:r>
-                        <a:rPr lang="en-US" sz="1200" b="1" i="1" dirty="0">
+                        <a:rPr lang="ja-jp" sz="1200" b="1" i="1" dirty="0">
                           <a:solidFill>
                             <a:schemeClr val="bg1"/>
                           </a:solidFill>
                           <a:latin typeface="Adobe Clean" panose="020B0503020404020204" pitchFamily="34" charset="0"/>
                         </a:rPr>
-                        <a:t>Paid Support ($)</a:t>
+                        <a:t>유료 지원($)</a:t>
                       </a:r>
                     </a:p>
                   </a:txBody>
@@ -3785,14 +3404,14 @@
                         </a:spcBef>
                       </a:pPr>
                       <a:r>
-                        <a:rPr lang="en-US" sz="1200" b="1" i="0" spc="0" dirty="0">
+                        <a:rPr lang="ja-jp" sz="1200" b="1" i="0" spc="0" dirty="0">
                           <a:solidFill>
                             <a:schemeClr val="bg1"/>
                           </a:solidFill>
                           <a:latin typeface="Adobe Clean" panose="020B0503020404020204" pitchFamily="34" charset="0"/>
                           <a:cs typeface="AdobeClean-Light"/>
                         </a:rPr>
-                        <a:t>Assigned Experts</a:t>
+                        <a:t>할당된 전문가</a:t>
                       </a:r>
                       <a:endParaRPr sz="1200" b="1" i="0" spc="0" dirty="0">
                         <a:solidFill>
@@ -3847,14 +3466,14 @@
                         </a:spcBef>
                       </a:pPr>
                       <a:r>
-                        <a:rPr sz="1100" spc="0" dirty="0">
+                        <a:rPr lang="ja-jp" sz="1100" spc="0" dirty="0">
                           <a:solidFill>
                             <a:srgbClr val="020302"/>
                           </a:solidFill>
                           <a:latin typeface="AdobeClean-Light"/>
                           <a:cs typeface="AdobeClean-Light"/>
                         </a:rPr>
-                        <a:t>Account Support Lead</a:t>
+                        <a:t>계정 지원 리드</a:t>
                       </a:r>
                       <a:endParaRPr sz="1100" spc="0" dirty="0">
                         <a:latin typeface="AdobeClean-Light"/>
@@ -4021,14 +3640,14 @@
                         </a:spcBef>
                       </a:pPr>
                       <a:r>
-                        <a:rPr sz="1100" spc="0" dirty="0">
+                        <a:rPr lang="ja-jp" sz="1100" spc="0" dirty="0">
                           <a:solidFill>
                             <a:srgbClr val="020302"/>
                           </a:solidFill>
                           <a:latin typeface="AdobeClean-Light"/>
                           <a:cs typeface="AdobeClean-Light"/>
                         </a:rPr>
-                        <a:t>Named Support Engineer</a:t>
+                        <a:t>지정 지원 엔지니어</a:t>
                       </a:r>
                       <a:endParaRPr sz="1100" spc="0" dirty="0">
                         <a:latin typeface="AdobeClean-Light"/>
@@ -4094,7 +3713,7 @@
                         </a:spcBef>
                       </a:pPr>
                       <a:r>
-                        <a:rPr sz="900" spc="0" dirty="0">
+                        <a:rPr lang="ja-jp" sz="900" spc="0" dirty="0">
                           <a:solidFill>
                             <a:srgbClr val="020302"/>
                           </a:solidFill>
@@ -4187,14 +3806,14 @@
                         </a:spcBef>
                       </a:pPr>
                       <a:r>
-                        <a:rPr sz="1100" spc="0" dirty="0">
+                        <a:rPr lang="ja-jp" sz="1100" spc="0" dirty="0">
                           <a:solidFill>
                             <a:srgbClr val="020302"/>
                           </a:solidFill>
                           <a:latin typeface="AdobeClean-Light"/>
                           <a:cs typeface="AdobeClean-Light"/>
                         </a:rPr>
-                        <a:t>Technical Account Manager</a:t>
+                        <a:t>기술 계정 관리자</a:t>
                       </a:r>
                       <a:endParaRPr sz="1100" spc="0" dirty="0">
                         <a:latin typeface="AdobeClean-Light"/>
@@ -4317,14 +3936,14 @@
                         </a:spcBef>
                       </a:pPr>
                       <a:r>
-                        <a:rPr lang="en-US" sz="1200" b="1" i="0" spc="0" dirty="0">
+                        <a:rPr lang="ja-jp" sz="1200" b="1" i="0" spc="0" dirty="0">
                           <a:solidFill>
                             <a:schemeClr val="bg1"/>
                           </a:solidFill>
                           <a:latin typeface="Adobe Clean" panose="020B0503020404020204" pitchFamily="34" charset="0"/>
                           <a:cs typeface="AdobeClean-Light"/>
                         </a:rPr>
-                        <a:t>Support Services</a:t>
+                        <a:t>지원 서비스</a:t>
                       </a:r>
                       <a:endParaRPr sz="1200" b="1" i="0" spc="0" dirty="0">
                         <a:solidFill>
@@ -4379,14 +3998,14 @@
                         </a:spcBef>
                       </a:pPr>
                       <a:r>
-                        <a:rPr lang="en-US" sz="1100" spc="0" dirty="0">
+                        <a:rPr lang="ja-jp" sz="1100" spc="0" dirty="0">
                           <a:solidFill>
                             <a:srgbClr val="020302"/>
                           </a:solidFill>
                           <a:latin typeface="AdobeClean-Light"/>
                           <a:cs typeface="AdobeClean-Light"/>
                         </a:rPr>
-                        <a:t>24x7 Self-Help Support </a:t>
+                        <a:t>24x7 자가 진단 지원 </a:t>
                       </a:r>
                       <a:endParaRPr lang="en-US" sz="1100" spc="0" dirty="0">
                         <a:latin typeface="AdobeClean-Light"/>
@@ -4429,7 +4048,7 @@
                         </a:spcBef>
                       </a:pPr>
                       <a:r>
-                        <a:rPr sz="900" dirty="0">
+                        <a:rPr lang="ja-jp" sz="900" dirty="0">
                           <a:solidFill>
                             <a:srgbClr val="020302"/>
                           </a:solidFill>
@@ -4489,7 +4108,7 @@
                         <a:defRPr/>
                       </a:pPr>
                       <a:r>
-                        <a:rPr kumimoji="0" lang="en-US" sz="900" b="0" i="0" u="none" strike="noStrike" kern="0" cap="none" spc="0" normalizeH="0" baseline="0" noProof="0" dirty="0">
+                        <a:rPr kumimoji="0" lang="ja-jp" sz="900" b="0" i="0" u="none" strike="noStrike" kern="0" cap="none" spc="0" normalizeH="0" baseline="0" noProof="0" dirty="0">
                           <a:ln>
                             <a:noFill/>
                           </a:ln>
@@ -4601,14 +4220,14 @@
                         </a:spcBef>
                       </a:pPr>
                       <a:r>
-                        <a:rPr lang="en-US" sz="1100" b="0" i="0" spc="0" dirty="0">
+                        <a:rPr lang="ja-jp" sz="1100" b="0" i="0" spc="0" dirty="0">
                           <a:solidFill>
                             <a:srgbClr val="020302"/>
                           </a:solidFill>
                           <a:latin typeface="Adobe Clean Light" panose="020B0303020404020204" pitchFamily="34" charset="0"/>
                           <a:cs typeface="AdobeClean-Light"/>
                         </a:rPr>
-                        <a:t>24x7 Support via Chat / Phone</a:t>
+                        <a:t>24x7 채팅/전화를 통한 지원</a:t>
                       </a:r>
                       <a:endParaRPr sz="1100" b="0" i="0" spc="0" dirty="0">
                         <a:latin typeface="Adobe Clean Light" panose="020B0303020404020204" pitchFamily="34" charset="0"/>
@@ -4645,7 +4264,7 @@
                         </a:spcBef>
                       </a:pPr>
                       <a:r>
-                        <a:rPr sz="900" dirty="0">
+                        <a:rPr lang="ja-jp" sz="900" dirty="0">
                           <a:solidFill>
                             <a:srgbClr val="020302"/>
                           </a:solidFill>
@@ -4687,7 +4306,7 @@
                         </a:spcBef>
                       </a:pPr>
                       <a:r>
-                        <a:rPr sz="900" spc="0" dirty="0">
+                        <a:rPr lang="ja-jp" sz="900" spc="0" dirty="0">
                           <a:solidFill>
                             <a:srgbClr val="020302"/>
                           </a:solidFill>
@@ -4780,11 +4399,11 @@
                         </a:spcBef>
                       </a:pPr>
                       <a:r>
-                        <a:rPr lang="en-US" sz="1100" spc="0" dirty="0">
+                        <a:rPr lang="ja-jp" sz="1100" spc="0" dirty="0">
                           <a:latin typeface="AdobeClean-Light"/>
                           <a:cs typeface="AdobeClean-Light"/>
                         </a:rPr>
-                        <a:t>Web Case Submissions </a:t>
+                        <a:t>웹 사례 제출 </a:t>
                       </a:r>
                       <a:endParaRPr sz="1100" spc="0" dirty="0">
                         <a:latin typeface="AdobeClean-Light"/>
@@ -4827,7 +4446,7 @@
                         </a:spcBef>
                       </a:pPr>
                       <a:r>
-                        <a:rPr sz="900" dirty="0">
+                        <a:rPr lang="ja-jp" sz="900" dirty="0">
                           <a:solidFill>
                             <a:srgbClr val="020302"/>
                           </a:solidFill>
@@ -4869,7 +4488,7 @@
                         </a:spcBef>
                       </a:pPr>
                       <a:r>
-                        <a:rPr sz="900" spc="0" dirty="0">
+                        <a:rPr lang="ja-jp" sz="900" spc="0" dirty="0">
                           <a:solidFill>
                             <a:srgbClr val="020302"/>
                           </a:solidFill>
@@ -4953,14 +4572,14 @@
                         </a:spcBef>
                       </a:pPr>
                       <a:r>
-                        <a:rPr lang="en-US" sz="1100" spc="0" dirty="0">
+                        <a:rPr lang="ja-jp" sz="1100" spc="0" dirty="0">
                           <a:solidFill>
                             <a:srgbClr val="020302"/>
                           </a:solidFill>
                           <a:latin typeface="AdobeClean-Light"/>
                           <a:cs typeface="AdobeClean-Light"/>
                         </a:rPr>
-                        <a:t>Priority Case Routing</a:t>
+                        <a:t>우선 순위 사례 라우팅</a:t>
                       </a:r>
                       <a:endParaRPr sz="1100" spc="0" dirty="0">
                         <a:latin typeface="AdobeClean-Light"/>
@@ -5029,7 +4648,7 @@
                         </a:spcBef>
                       </a:pPr>
                       <a:r>
-                        <a:rPr sz="900" spc="0" dirty="0">
+                        <a:rPr lang="ja-jp" sz="900" spc="0" dirty="0">
                           <a:solidFill>
                             <a:srgbClr val="020302"/>
                           </a:solidFill>
@@ -5122,11 +4741,11 @@
                         <a:defRPr/>
                       </a:pPr>
                       <a:r>
-                        <a:rPr lang="en-US" sz="1100" spc="0" dirty="0">
+                        <a:rPr lang="ja-jp" sz="1100" spc="0" dirty="0">
                           <a:latin typeface="AdobeClean-Light"/>
                           <a:cs typeface="AdobeClean-Light"/>
                         </a:rPr>
-                        <a:t>Accelerated Issue Prioritization</a:t>
+                        <a:t>가속화된 문제 우선 순위 지정</a:t>
                       </a:r>
                     </a:p>
                   </a:txBody>
@@ -5200,7 +4819,7 @@
                         <a:defRPr/>
                       </a:pPr>
                       <a:r>
-                        <a:rPr lang="en-US" sz="900" spc="0" dirty="0">
+                        <a:rPr lang="ja-jp" sz="900" spc="0" dirty="0">
                           <a:solidFill>
                             <a:srgbClr val="020302"/>
                           </a:solidFill>
@@ -5273,11 +4892,11 @@
                         </a:spcBef>
                       </a:pPr>
                       <a:r>
-                        <a:rPr lang="en-US" sz="1100" spc="0" dirty="0">
+                        <a:rPr lang="ja-jp" sz="1100" spc="0" dirty="0">
                           <a:latin typeface="AdobeClean-Light"/>
                           <a:cs typeface="AdobeClean-Light"/>
                         </a:rPr>
-                        <a:t>Escalation Management</a:t>
+                        <a:t>에스컬레이션 관리</a:t>
                       </a:r>
                       <a:endParaRPr sz="1100" spc="0" dirty="0">
                         <a:latin typeface="AdobeClean-Light"/>
@@ -5343,7 +4962,7 @@
                         </a:spcBef>
                       </a:pPr>
                       <a:r>
-                        <a:rPr sz="900" spc="0" dirty="0">
+                        <a:rPr lang="ja-jp" sz="900" spc="0" dirty="0">
                           <a:solidFill>
                             <a:srgbClr val="020302"/>
                           </a:solidFill>
@@ -5397,11 +5016,11 @@
                         </a:spcBef>
                       </a:pPr>
                       <a:r>
-                        <a:rPr lang="en-US" sz="1100" spc="0" dirty="0">
+                        <a:rPr lang="ja-jp" sz="1100" spc="0" dirty="0">
                           <a:latin typeface="AdobeClean-Light"/>
                           <a:cs typeface="AdobeClean-Light"/>
                         </a:rPr>
-                        <a:t>Proactive Case Monitoring</a:t>
+                        <a:t>사전 사례 모니터링</a:t>
                       </a:r>
                       <a:endParaRPr sz="1100" spc="0" dirty="0">
                         <a:latin typeface="AdobeClean-Light"/>
@@ -5473,7 +5092,7 @@
                         </a:spcBef>
                       </a:pPr>
                       <a:r>
-                        <a:rPr sz="900" spc="0" dirty="0">
+                        <a:rPr lang="ja-jp" sz="900" spc="0" dirty="0">
                           <a:solidFill>
                             <a:srgbClr val="020302"/>
                           </a:solidFill>
@@ -5539,13 +5158,13 @@
                         <a:buNone/>
                       </a:pPr>
                       <a:r>
-                        <a:rPr lang="en-US" sz="1100" b="0" i="0" u="none" strike="noStrike" spc="0" noProof="0" dirty="0">
+                        <a:rPr lang="ja-jp" sz="1100" b="0" i="0" u="none" strike="noStrike" spc="0" noProof="0" dirty="0">
                           <a:solidFill>
                             <a:srgbClr val="020302"/>
                           </a:solidFill>
                           <a:latin typeface="Adobe Clean Light"/>
                         </a:rPr>
-                        <a:t>In-Region Support Option</a:t>
+                        <a:t>지역 지원 옵션</a:t>
                       </a:r>
                       <a:endParaRPr dirty="0"/>
                     </a:p>
@@ -5623,7 +5242,7 @@
                         <a:defRPr/>
                       </a:pPr>
                       <a:r>
-                        <a:rPr lang="en-US" sz="900" spc="0" dirty="0">
+                        <a:rPr lang="ja-jp" sz="900" spc="0" dirty="0">
                           <a:solidFill>
                             <a:srgbClr val="020302"/>
                           </a:solidFill>
@@ -5716,14 +5335,14 @@
                         </a:spcBef>
                       </a:pPr>
                       <a:r>
-                        <a:rPr lang="en-US" sz="1100" spc="0" dirty="0">
+                        <a:rPr lang="ja-jp" sz="1100" spc="0" dirty="0">
                           <a:solidFill>
                             <a:srgbClr val="020302"/>
                           </a:solidFill>
                           <a:latin typeface="AdobeClean-Light"/>
                           <a:cs typeface="AdobeClean-Light"/>
                         </a:rPr>
-                        <a:t>Service Reviews</a:t>
+                        <a:t>서비스 리뷰</a:t>
                       </a:r>
                       <a:endParaRPr sz="1100" spc="0" dirty="0">
                         <a:latin typeface="AdobeClean-Light"/>
@@ -5795,24 +5414,14 @@
                         </a:spcBef>
                       </a:pPr>
                       <a:r>
-                        <a:rPr sz="900" spc="0" dirty="0">
+                        <a:rPr lang="ja-jp" sz="900" spc="0" dirty="0">
                           <a:solidFill>
                             <a:srgbClr val="020302"/>
                           </a:solidFill>
                           <a:latin typeface="AdobeClean-Light"/>
                           <a:cs typeface="AdobeClean-Light"/>
                         </a:rPr>
-                        <a:t>2</a:t>
-                      </a:r>
-                      <a:r>
-                        <a:rPr lang="en-US" sz="900" spc="0" dirty="0">
-                          <a:solidFill>
-                            <a:srgbClr val="020302"/>
-                          </a:solidFill>
-                          <a:latin typeface="AdobeClean-Light"/>
-                          <a:cs typeface="AdobeClean-Light"/>
-                        </a:rPr>
-                        <a:t>/year</a:t>
+                        <a:t>2/년</a:t>
                       </a:r>
                       <a:endParaRPr sz="900" spc="0" dirty="0">
                         <a:latin typeface="AdobeClean-Light"/>
@@ -5889,11 +5498,11 @@
                         </a:spcBef>
                       </a:pPr>
                       <a:r>
-                        <a:rPr lang="en-US" sz="1100" spc="0" dirty="0">
+                        <a:rPr lang="ja-jp" sz="1100" spc="0" dirty="0">
                           <a:latin typeface="AdobeClean-Light"/>
                           <a:cs typeface="AdobeClean-Light"/>
                         </a:rPr>
-                        <a:t>Case Reviews</a:t>
+                        <a:t>사례 검토</a:t>
                       </a:r>
                       <a:endParaRPr sz="1100" spc="0" dirty="0">
                         <a:latin typeface="AdobeClean-Light"/>
@@ -5959,11 +5568,11 @@
                         </a:spcBef>
                       </a:pPr>
                       <a:r>
-                        <a:rPr lang="en-US" sz="900" spc="0" dirty="0">
+                        <a:rPr lang="ja-jp" sz="900" spc="0" dirty="0">
                           <a:latin typeface="AdobeClean-Light"/>
                           <a:cs typeface="AdobeClean-Light"/>
                         </a:rPr>
-                        <a:t>1/month</a:t>
+                        <a:t>1/개월</a:t>
                       </a:r>
                       <a:endParaRPr sz="900" spc="0" dirty="0">
                         <a:latin typeface="AdobeClean-Light"/>
@@ -6038,11 +5647,11 @@
                         <a:defRPr/>
                       </a:pPr>
                       <a:r>
-                        <a:rPr lang="en-US" sz="1100" spc="0" dirty="0">
+                        <a:rPr lang="ja-jp" sz="1100" spc="0" dirty="0">
                           <a:latin typeface="AdobeClean-Light"/>
                           <a:cs typeface="AdobeClean-Light"/>
                         </a:rPr>
-                        <a:t>Solution Review</a:t>
+                        <a:t>솔루션 검토</a:t>
                       </a:r>
                     </a:p>
                   </a:txBody>
@@ -6185,11 +5794,11 @@
                         <a:defRPr/>
                       </a:pPr>
                       <a:r>
-                        <a:rPr lang="en-US" sz="1100" spc="0" dirty="0">
+                        <a:rPr lang="ja-jp" sz="1100" spc="0" dirty="0">
                           <a:latin typeface="AdobeClean-Light"/>
                           <a:cs typeface="AdobeClean-Light"/>
                         </a:rPr>
-                        <a:t>Roadmap Review </a:t>
+                        <a:t>로드맵 검토 </a:t>
                       </a:r>
                     </a:p>
                   </a:txBody>
@@ -6363,14 +5972,14 @@
                         <a:defRPr/>
                       </a:pPr>
                       <a:r>
-                        <a:rPr lang="en-US" sz="1100" spc="0" dirty="0">
+                        <a:rPr lang="ja-jp" sz="1100" spc="0" dirty="0">
                           <a:solidFill>
                             <a:srgbClr val="020302"/>
                           </a:solidFill>
                           <a:latin typeface="AdobeClean-Light"/>
                           <a:cs typeface="AdobeClean-Light"/>
                         </a:rPr>
-                        <a:t>Additional Named Support Contacts</a:t>
+                        <a:t>추가 지정 지원 담당자</a:t>
                       </a:r>
                       <a:endParaRPr lang="en-US" sz="1100" spc="0" dirty="0">
                         <a:latin typeface="AdobeClean-Light"/>
@@ -6570,11 +6179,11 @@
                         </a:spcBef>
                       </a:pPr>
                       <a:r>
-                        <a:rPr lang="en-US" sz="1100" spc="0" dirty="0">
+                        <a:rPr lang="ja-jp" sz="1100" spc="0" dirty="0">
                           <a:latin typeface="AdobeClean-Light"/>
                           <a:cs typeface="AdobeClean-Light"/>
                         </a:rPr>
-                        <a:t>Upgrade/Migration Planning</a:t>
+                        <a:t>업그레이드/마이그레이션 계획</a:t>
                       </a:r>
                       <a:endParaRPr sz="1100" spc="0" dirty="0">
                         <a:latin typeface="AdobeClean-Light"/>
@@ -6749,11 +6358,11 @@
                         <a:defRPr/>
                       </a:pPr>
                       <a:r>
-                        <a:rPr lang="en-US" sz="1100" b="0" i="0" spc="0" dirty="0">
+                        <a:rPr lang="ja-jp" sz="1100" b="0" i="0" spc="0" dirty="0">
                           <a:latin typeface="Adobe Clean Light" panose="020B0303020404020204" pitchFamily="34" charset="0"/>
                           <a:cs typeface="AdobeClean-Light"/>
                         </a:rPr>
-                        <a:t>Release Preparation and Planning</a:t>
+                        <a:t>릴리스 준비 및 계획</a:t>
                       </a:r>
                     </a:p>
                   </a:txBody>
@@ -6954,11 +6563,11 @@
                         </a:spcBef>
                       </a:pPr>
                       <a:r>
-                        <a:rPr lang="en-US" sz="1100" spc="0" dirty="0">
+                        <a:rPr lang="ja-jp" sz="1100" spc="0" dirty="0">
                           <a:latin typeface="AdobeClean-Light"/>
                           <a:cs typeface="AdobeClean-Light"/>
                         </a:rPr>
-                        <a:t>Executive Sponsor</a:t>
+                        <a:t>경영 스폰서</a:t>
                       </a:r>
                       <a:endParaRPr sz="1100" spc="0" dirty="0">
                         <a:latin typeface="AdobeClean-Light"/>
@@ -7117,14 +6726,14 @@
           <p:nvPr>
             <p:extLst>
               <p:ext uri="{D42A27DB-BD31-4B8C-83A1-F6EECF244321}">
-                <p14:modId xmlns:p14="http://schemas.microsoft.com/office/powerpoint/2010/main" val="1204616534"/>
+                <p14:modId xmlns:p14="http://schemas.microsoft.com/office/powerpoint/2010/main" val="168284293"/>
               </p:ext>
             </p:extLst>
           </p:nvPr>
         </p:nvGraphicFramePr>
         <p:xfrm>
           <a:off x="121146" y="7483227"/>
-          <a:ext cx="7498851" cy="2361428"/>
+          <a:ext cx="7498851" cy="2187642"/>
         </p:xfrm>
         <a:graphic>
           <a:graphicData uri="http://schemas.openxmlformats.org/drawingml/2006/table">
@@ -7184,14 +6793,14 @@
                         </a:spcBef>
                       </a:pPr>
                       <a:r>
-                        <a:rPr sz="1000" spc="0" dirty="0">
+                        <a:rPr lang="ja-jp" sz="1000" spc="0" dirty="0">
                           <a:solidFill>
                             <a:srgbClr val="020302"/>
                           </a:solidFill>
                           <a:latin typeface="Adobe Clean"/>
                           <a:cs typeface="Adobe Clean"/>
                         </a:rPr>
-                        <a:t>Priority</a:t>
+                        <a:t>우선 순위</a:t>
                       </a:r>
                       <a:endParaRPr sz="1000" spc="0" dirty="0">
                         <a:latin typeface="Adobe Clean"/>
@@ -7243,44 +6852,14 @@
                         </a:spcBef>
                       </a:pPr>
                       <a:r>
-                        <a:rPr lang="en-US" sz="900" spc="0" dirty="0">
+                        <a:rPr lang="ja-jp" sz="900" spc="0" dirty="0">
                           <a:solidFill>
                             <a:srgbClr val="020302"/>
                           </a:solidFill>
                           <a:latin typeface="Adobe Clean"/>
                           <a:cs typeface="Adobe Clean"/>
                         </a:rPr>
-                        <a:t>Standard</a:t>
-                      </a:r>
-                      <a:r>
-                        <a:rPr sz="900" spc="0" dirty="0">
-                          <a:solidFill>
-                            <a:srgbClr val="020302"/>
-                          </a:solidFill>
-                          <a:latin typeface="Adobe Clean"/>
-                          <a:cs typeface="Adobe Clean"/>
-                        </a:rPr>
-                        <a:t> </a:t>
-                      </a:r>
-                      <a:r>
-                        <a:rPr lang="en-US" sz="900" spc="0" dirty="0">
-                          <a:solidFill>
-                            <a:srgbClr val="020302"/>
-                          </a:solidFill>
-                          <a:latin typeface="Adobe Clean"/>
-                          <a:cs typeface="Adobe Clean"/>
-                        </a:rPr>
-                        <a:t> </a:t>
-                      </a:r>
-                      <a:r>
-                        <a:rPr sz="900" spc="0" dirty="0">
-                          <a:solidFill>
-                            <a:srgbClr val="020302"/>
-                          </a:solidFill>
-                          <a:latin typeface="Adobe Clean"/>
-                          <a:cs typeface="Adobe Clean"/>
-                        </a:rPr>
-                        <a:t>Support</a:t>
+                        <a:t>표준  지원</a:t>
                       </a:r>
                       <a:endParaRPr sz="900" spc="0" dirty="0">
                         <a:latin typeface="Adobe Clean"/>
@@ -7335,34 +6914,14 @@
                         </a:spcBef>
                       </a:pPr>
                       <a:r>
-                        <a:rPr sz="900" spc="0" dirty="0">
+                        <a:rPr lang="ja-jp" sz="900" spc="0" dirty="0">
                           <a:solidFill>
                             <a:srgbClr val="FFFFFF"/>
                           </a:solidFill>
                           <a:latin typeface="Adobe Clean"/>
                           <a:cs typeface="Adobe Clean"/>
                         </a:rPr>
-                        <a:t>Business</a:t>
-                      </a:r>
-                      <a:r>
-                        <a:rPr lang="en-US" sz="900" spc="0" dirty="0">
-                          <a:solidFill>
-                            <a:srgbClr val="FFFFFF"/>
-                          </a:solidFill>
-                          <a:latin typeface="Adobe Clean"/>
-                          <a:cs typeface="Adobe Clean"/>
-                        </a:rPr>
-                        <a:t> </a:t>
-                      </a:r>
-                      <a:r>
-                        <a:rPr sz="900" spc="0" dirty="0">
-                          <a:solidFill>
-                            <a:srgbClr val="FFFFFF"/>
-                          </a:solidFill>
-                          <a:latin typeface="Adobe Clean"/>
-                          <a:cs typeface="Adobe Clean"/>
-                        </a:rPr>
-                        <a:t>Support</a:t>
+                        <a:t>비즈니스 지원</a:t>
                       </a:r>
                       <a:endParaRPr sz="900" spc="0" dirty="0">
                         <a:latin typeface="Adobe Clean"/>
@@ -7407,24 +6966,43 @@
                     <a:p>
                       <a:pPr marL="0" algn="ctr">
                         <a:lnSpc>
-                          <a:spcPct val="100000"/>
+                          <a:spcPts val="880"/>
                         </a:lnSpc>
                         <a:spcBef>
                           <a:spcPts val="60"/>
                         </a:spcBef>
                       </a:pPr>
                       <a:r>
-                        <a:rPr sz="900" spc="0" dirty="0">
+                        <a:rPr lang="ja-jp" sz="900" spc="0" dirty="0">
                           <a:solidFill>
                             <a:srgbClr val="FFFFFF"/>
                           </a:solidFill>
                           <a:latin typeface="Adobe Clean"/>
                           <a:cs typeface="Adobe Clean"/>
                         </a:rPr>
-                        <a:t>Enterprise </a:t>
+                        <a:t>엔터프라이</a:t>
                       </a:r>
                       <a:r>
-                        <a:rPr lang="en-US" sz="900" spc="0" dirty="0">
+                        <a:rPr lang="ja-jp" sz="900" spc="0">
+                          <a:solidFill>
+                            <a:srgbClr val="FFFFFF"/>
+                          </a:solidFill>
+                          <a:latin typeface="Adobe Clean"/>
+                          <a:cs typeface="Adobe Clean"/>
+                        </a:rPr>
+                        <a:t>즈 </a:t>
+                      </a:r>
+                      <a:br>
+                        <a:rPr lang="en-US" altLang="ja-JP" sz="900" spc="0" dirty="0">
+                          <a:solidFill>
+                            <a:srgbClr val="FFFFFF"/>
+                          </a:solidFill>
+                          <a:latin typeface="Adobe Clean"/>
+                          <a:cs typeface="Adobe Clean"/>
+                        </a:rPr>
+                      </a:br>
+                      <a:r>
+                        <a:rPr lang="ja-jp" sz="900" spc="0">
                           <a:solidFill>
                             <a:srgbClr val="FFFFFF"/>
                           </a:solidFill>
@@ -7434,14 +7012,14 @@
                         <a:t> </a:t>
                       </a:r>
                       <a:r>
-                        <a:rPr sz="900" spc="0" dirty="0">
+                        <a:rPr lang="ja-jp" sz="900" spc="0" dirty="0">
                           <a:solidFill>
                             <a:srgbClr val="FFFFFF"/>
                           </a:solidFill>
                           <a:latin typeface="Adobe Clean"/>
                           <a:cs typeface="Adobe Clean"/>
                         </a:rPr>
-                        <a:t>Support</a:t>
+                        <a:t>지원</a:t>
                       </a:r>
                       <a:endParaRPr sz="900" spc="0" dirty="0">
                         <a:latin typeface="Adobe Clean"/>
@@ -7493,34 +7071,14 @@
                         </a:spcBef>
                       </a:pPr>
                       <a:r>
-                        <a:rPr sz="900" spc="0" dirty="0">
+                        <a:rPr lang="ja-jp" sz="900" spc="0" dirty="0">
                           <a:solidFill>
                             <a:srgbClr val="FFFFFF"/>
                           </a:solidFill>
                           <a:latin typeface="Adobe Clean"/>
                           <a:cs typeface="Adobe Clean"/>
                         </a:rPr>
-                        <a:t>Elite</a:t>
-                      </a:r>
-                      <a:r>
-                        <a:rPr lang="en-US" sz="900" spc="0" dirty="0">
-                          <a:solidFill>
-                            <a:srgbClr val="FFFFFF"/>
-                          </a:solidFill>
-                          <a:latin typeface="Adobe Clean"/>
-                          <a:cs typeface="Adobe Clean"/>
-                        </a:rPr>
-                        <a:t> </a:t>
-                      </a:r>
-                      <a:r>
-                        <a:rPr sz="900" spc="0" dirty="0">
-                          <a:solidFill>
-                            <a:srgbClr val="FFFFFF"/>
-                          </a:solidFill>
-                          <a:latin typeface="Adobe Clean"/>
-                          <a:cs typeface="Adobe Clean"/>
-                        </a:rPr>
-                        <a:t>Support</a:t>
+                        <a:t>엘리트 지원</a:t>
                       </a:r>
                       <a:endParaRPr sz="900" spc="0" dirty="0">
                         <a:latin typeface="Adobe Clean"/>
@@ -7579,14 +7137,14 @@
                         </a:spcBef>
                       </a:pPr>
                       <a:r>
-                        <a:rPr sz="900" b="1" spc="0" dirty="0">
+                        <a:rPr lang="ja-jp" sz="900" b="1" spc="0" dirty="0">
                           <a:solidFill>
                             <a:srgbClr val="020302"/>
                           </a:solidFill>
                           <a:latin typeface="Adobe Clean"/>
                           <a:cs typeface="Adobe Clean"/>
                         </a:rPr>
-                        <a:t>PRIORITY 1</a:t>
+                        <a:t>우선 순위 1</a:t>
                       </a:r>
                       <a:endParaRPr sz="900" spc="0" dirty="0">
                         <a:latin typeface="Adobe Clean"/>
@@ -7603,14 +7161,14 @@
                         </a:spcBef>
                       </a:pPr>
                       <a:r>
-                        <a:rPr lang="en-US" sz="900" b="0" i="0" spc="0" dirty="0">
+                        <a:rPr lang="ja-jp" sz="900" b="0" i="0" spc="0" dirty="0">
                           <a:solidFill>
                             <a:srgbClr val="000000"/>
                           </a:solidFill>
                           <a:effectLst/>
                           <a:latin typeface="Adobe Clean Light" panose="020B0303020404020204" pitchFamily="34" charset="0"/>
                         </a:rPr>
-                        <a:t>Customer's production business functions are down or have significant data loss or service degradation and immediate attention is required to restore functionality and usability. </a:t>
+                        <a:t>고객의 생산 비즈니스 기능이 다운되었거나 심각한 데이터 손실 또는 서비스 저하가 발생했으며 기능 및 사용성을 복원하기 위해 즉각적인 주의가 필요합니다. </a:t>
                       </a:r>
                       <a:endParaRPr sz="900" spc="0" dirty="0">
                         <a:latin typeface="AdobeClean-Light"/>
@@ -7662,14 +7220,14 @@
                         </a:spcBef>
                       </a:pPr>
                       <a:r>
-                        <a:rPr lang="en-US" sz="900" spc="0" dirty="0">
+                        <a:rPr lang="ja-jp" sz="900" spc="0" dirty="0">
                           <a:solidFill>
                             <a:srgbClr val="020302"/>
                           </a:solidFill>
                           <a:latin typeface="AdobeClean-Light"/>
                           <a:cs typeface="AdobeClean-Light"/>
                         </a:rPr>
-                        <a:t>24x7 /</a:t>
+                        <a:t>24x7 / </a:t>
                       </a:r>
                     </a:p>
                     <a:p>
@@ -7682,14 +7240,14 @@
                         </a:spcBef>
                       </a:pPr>
                       <a:r>
-                        <a:rPr lang="en-US" sz="900" spc="0" dirty="0">
+                        <a:rPr lang="ja-jp" sz="900" spc="0" dirty="0">
                           <a:solidFill>
                             <a:srgbClr val="020302"/>
                           </a:solidFill>
                           <a:latin typeface="AdobeClean-Light"/>
                           <a:cs typeface="AdobeClean-Light"/>
                         </a:rPr>
-                        <a:t> 30 minutes</a:t>
+                        <a:t>30분</a:t>
                       </a:r>
                       <a:endParaRPr lang="en-US" sz="900" spc="0" dirty="0">
                         <a:latin typeface="AdobeClean-Light"/>
@@ -7739,10 +7297,10 @@
                         <a:tabLst/>
                       </a:pPr>
                       <a:r>
-                        <a:rPr lang="en-US" sz="1000" i="0" spc="0" dirty="0">
+                        <a:rPr lang="ja-jp" sz="1000" i="0" spc="0" dirty="0">
                           <a:latin typeface="AdobeClean-Light"/>
                         </a:rPr>
-                        <a:t>Customers who purchase a Support Plan for applicable Adobe Products and Services receive priority case routing that fast-tracks cases to Adobe’s Support Engineers. </a:t>
+                        <a:t>해당하는 Adobe 제품 및 서비스에 대한 지원 플랜을 구매하는 고객은 Adobe의 지원 엔지니어에게 사례를 빠르게 처리할 수 있는 우선 순위 사례 라우팅을 받게 됩니다.</a:t>
                       </a:r>
                     </a:p>
                   </a:txBody>
@@ -7790,7 +7348,7 @@
                         </a:spcBef>
                       </a:pPr>
                       <a:r>
-                        <a:rPr sz="900" spc="0" dirty="0">
+                        <a:rPr lang="ja-jp" sz="900" spc="0" dirty="0">
                           <a:solidFill>
                             <a:srgbClr val="020302"/>
                           </a:solidFill>
@@ -7800,59 +7358,7 @@
                           <a:latin typeface="AdobeClean-Light"/>
                           <a:cs typeface="AdobeClean-Light"/>
                         </a:rPr>
-                        <a:t>24x7 /  </a:t>
-                      </a:r>
-                      <a:r>
-                        <a:rPr lang="en-US" sz="900" spc="0" dirty="0">
-                          <a:solidFill>
-                            <a:srgbClr val="020302"/>
-                          </a:solidFill>
-                          <a:highlight>
-                            <a:srgbClr val="FFFF00"/>
-                          </a:highlight>
-                          <a:latin typeface="AdobeClean-Light"/>
-                          <a:cs typeface="AdobeClean-Light"/>
-                        </a:rPr>
-                        <a:t>         </a:t>
-                      </a:r>
-                      <a:r>
-                        <a:rPr sz="900" spc="0" dirty="0">
-                          <a:solidFill>
-                            <a:srgbClr val="020302"/>
-                          </a:solidFill>
-                          <a:highlight>
-                            <a:srgbClr val="FFFF00"/>
-                          </a:highlight>
-                          <a:latin typeface="AdobeClean-Light"/>
-                          <a:cs typeface="AdobeClean-Light"/>
-                        </a:rPr>
-                        <a:t>30</a:t>
-                      </a:r>
-                      <a:r>
-                        <a:rPr lang="en-US" sz="900" spc="0" dirty="0">
-                          <a:solidFill>
-                            <a:srgbClr val="020302"/>
-                          </a:solidFill>
-                          <a:highlight>
-                            <a:srgbClr val="FFFF00"/>
-                          </a:highlight>
-                          <a:latin typeface="AdobeClean-Light"/>
-                          <a:cs typeface="AdobeClean-Light"/>
-                        </a:rPr>
-                        <a:t> </a:t>
-                      </a:r>
-                      <a:r>
-                        <a:rPr sz="900" spc="0" dirty="0">
-                          <a:solidFill>
-                            <a:srgbClr val="020302"/>
-                          </a:solidFill>
-                          <a:highlight>
-                            <a:srgbClr val="FFFF00"/>
-                          </a:highlight>
-                          <a:latin typeface="AdobeClean-Light"/>
-                          <a:cs typeface="AdobeClean-Light"/>
-                        </a:rPr>
-                        <a:t>minutes</a:t>
+                        <a:t>24x7 /           30분</a:t>
                       </a:r>
                       <a:endParaRPr sz="900" spc="0" dirty="0">
                         <a:highlight>
@@ -7904,7 +7410,7 @@
                         </a:spcBef>
                       </a:pPr>
                       <a:r>
-                        <a:rPr sz="900" spc="0" dirty="0">
+                        <a:rPr lang="ja-jp" sz="900" spc="0" dirty="0">
                           <a:solidFill>
                             <a:srgbClr val="020302"/>
                           </a:solidFill>
@@ -7914,59 +7420,7 @@
                           <a:latin typeface="AdobeClean-Light"/>
                           <a:cs typeface="AdobeClean-Light"/>
                         </a:rPr>
-                        <a:t>24x7 / </a:t>
-                      </a:r>
-                      <a:r>
-                        <a:rPr lang="en-US" sz="900" spc="0" dirty="0">
-                          <a:solidFill>
-                            <a:srgbClr val="020302"/>
-                          </a:solidFill>
-                          <a:highlight>
-                            <a:srgbClr val="FFFF00"/>
-                          </a:highlight>
-                          <a:latin typeface="AdobeClean-Light"/>
-                          <a:cs typeface="AdobeClean-Light"/>
-                        </a:rPr>
-                        <a:t>       </a:t>
-                      </a:r>
-                      <a:r>
-                        <a:rPr sz="900" spc="0" dirty="0">
-                          <a:solidFill>
-                            <a:srgbClr val="020302"/>
-                          </a:solidFill>
-                          <a:highlight>
-                            <a:srgbClr val="FFFF00"/>
-                          </a:highlight>
-                          <a:latin typeface="AdobeClean-Light"/>
-                          <a:cs typeface="AdobeClean-Light"/>
-                        </a:rPr>
-                        <a:t> 15</a:t>
-                      </a:r>
-                      <a:r>
-                        <a:rPr lang="en-US" sz="900" spc="0" dirty="0">
-                          <a:solidFill>
-                            <a:srgbClr val="020302"/>
-                          </a:solidFill>
-                          <a:highlight>
-                            <a:srgbClr val="FFFF00"/>
-                          </a:highlight>
-                          <a:latin typeface="AdobeClean-Light"/>
-                          <a:cs typeface="AdobeClean-Light"/>
-                        </a:rPr>
-                        <a:t> </a:t>
-                      </a:r>
-                      <a:r>
-                        <a:rPr sz="900" spc="0" dirty="0">
-                          <a:solidFill>
-                            <a:srgbClr val="020302"/>
-                          </a:solidFill>
-                          <a:highlight>
-                            <a:srgbClr val="FFFF00"/>
-                          </a:highlight>
-                          <a:latin typeface="AdobeClean-Light"/>
-                          <a:cs typeface="AdobeClean-Light"/>
-                        </a:rPr>
-                        <a:t>minutes</a:t>
+                        <a:t>24x7 /         15분</a:t>
                       </a:r>
                       <a:endParaRPr sz="900" spc="0" dirty="0">
                         <a:highlight>
@@ -8025,14 +7479,14 @@
                         </a:spcBef>
                       </a:pPr>
                       <a:r>
-                        <a:rPr sz="900" b="1" spc="0" dirty="0">
+                        <a:rPr lang="ja-jp" sz="900" b="1" spc="0" dirty="0">
                           <a:solidFill>
                             <a:srgbClr val="020302"/>
                           </a:solidFill>
                           <a:latin typeface="Adobe Clean"/>
                           <a:cs typeface="Adobe Clean"/>
                         </a:rPr>
-                        <a:t>PRIORITY 2</a:t>
+                        <a:t>우선 순위 2</a:t>
                       </a:r>
                       <a:endParaRPr sz="900" spc="0" dirty="0">
                         <a:latin typeface="Adobe Clean"/>
@@ -8058,14 +7512,14 @@
                         <a:defRPr/>
                       </a:pPr>
                       <a:r>
-                        <a:rPr lang="en-US" sz="900" b="0" i="0" spc="0" dirty="0">
+                        <a:rPr lang="ja-jp" sz="900" b="0" i="0" spc="0" dirty="0">
                           <a:solidFill>
                             <a:srgbClr val="000000"/>
                           </a:solidFill>
                           <a:effectLst/>
                           <a:latin typeface="Adobe Clean Light" panose="020B0303020404020204" pitchFamily="34" charset="0"/>
                         </a:rPr>
-                        <a:t>Customer's business functions have major service degradation or potential data loss, or a major feature is impacted.  </a:t>
+                        <a:t>고객의 비즈니스 기능에 심각한 서비스 저하 또는 잠재적인 데이터 손실이 있거나 주요 기능이 영향을 받습니다.  </a:t>
                       </a:r>
                       <a:endParaRPr sz="900" b="0" i="0" spc="0" dirty="0">
                         <a:latin typeface="Adobe Clean Light" panose="020B0303020404020204" pitchFamily="34" charset="0"/>
@@ -8117,7 +7571,7 @@
                         </a:spcBef>
                       </a:pPr>
                       <a:r>
-                        <a:rPr lang="en-US" sz="900" spc="0" dirty="0">
+                        <a:rPr lang="ja-jp" sz="900" spc="0" dirty="0">
                           <a:solidFill>
                             <a:srgbClr val="020302"/>
                           </a:solidFill>
@@ -8137,14 +7591,14 @@
                         </a:spcBef>
                       </a:pPr>
                       <a:r>
-                        <a:rPr lang="en-US" sz="900" spc="0" dirty="0">
+                        <a:rPr lang="ja-jp" sz="900" spc="0" dirty="0">
                           <a:solidFill>
                             <a:srgbClr val="020302"/>
                           </a:solidFill>
                           <a:latin typeface="AdobeClean-Light"/>
                           <a:cs typeface="AdobeClean-Light"/>
                         </a:rPr>
-                        <a:t>     1 hour</a:t>
+                        <a:t>     1시간</a:t>
                       </a:r>
                       <a:endParaRPr lang="en-US" sz="900" spc="0" dirty="0">
                         <a:latin typeface="AdobeClean-Light"/>
@@ -8350,24 +7804,14 @@
                         </a:spcBef>
                       </a:pPr>
                       <a:r>
-                        <a:rPr sz="900" b="1" spc="0" dirty="0">
+                        <a:rPr lang="ja-jp" sz="900" b="1" spc="0" dirty="0">
                           <a:solidFill>
                             <a:srgbClr val="020302"/>
                           </a:solidFill>
                           <a:latin typeface="Adobe Clean"/>
                           <a:cs typeface="Adobe Clean"/>
                         </a:rPr>
-                        <a:t>PRIORITY</a:t>
-                      </a:r>
-                      <a:r>
-                        <a:rPr lang="en-US" sz="900" b="1" spc="0" dirty="0">
-                          <a:solidFill>
-                            <a:srgbClr val="020302"/>
-                          </a:solidFill>
-                          <a:latin typeface="Adobe Clean"/>
-                          <a:cs typeface="Adobe Clean"/>
-                        </a:rPr>
-                        <a:t> 3</a:t>
+                        <a:t>우선 순위 3</a:t>
                       </a:r>
                       <a:endParaRPr lang="en-US" sz="900" spc="0" dirty="0">
                         <a:latin typeface="Adobe Clean"/>
@@ -8393,7 +7837,7 @@
                         <a:defRPr/>
                       </a:pPr>
                       <a:r>
-                        <a:rPr kumimoji="0" lang="en-US" sz="900" b="0" i="0" u="none" strike="noStrike" kern="1200" cap="none" spc="0" normalizeH="0" baseline="0" noProof="0" dirty="0">
+                        <a:rPr kumimoji="0" lang="ja-jp" sz="900" b="0" i="0" u="none" strike="noStrike" kern="1200" cap="none" spc="0" normalizeH="0" baseline="0" noProof="0" dirty="0">
                           <a:ln>
                             <a:noFill/>
                           </a:ln>
@@ -8407,7 +7851,7 @@
                           <a:ea typeface="+mn-ea"/>
                           <a:cs typeface="+mn-cs"/>
                         </a:rPr>
-                        <a:t>Customer's business functions have minor service degradation but there exists a solution/workaround allowing business functions to continue normally. </a:t>
+                        <a:t>고객의 비즈니스 기능에 약간의 서비스 저하가 있지만 비즈니스 기능을 정상적으로 계속할 수 있게 하는 솔루션/해결 방법이 있습니다.</a:t>
                       </a:r>
                       <a:endParaRPr lang="en-US" sz="900" b="0" i="0" spc="0" dirty="0">
                         <a:latin typeface="Adobe Clean Light" panose="020B0303020404020204" pitchFamily="34" charset="0"/>
@@ -8462,14 +7906,14 @@
                         </a:tabLst>
                       </a:pPr>
                       <a:r>
-                        <a:rPr lang="en-US" sz="900" spc="0" dirty="0">
+                        <a:rPr lang="ja-jp" sz="900" spc="0" dirty="0">
                           <a:solidFill>
                             <a:srgbClr val="020302"/>
                           </a:solidFill>
                           <a:latin typeface="AdobeClean-Light"/>
                           <a:cs typeface="AdobeClean-Light"/>
                         </a:rPr>
-                        <a:t>Business day /   </a:t>
+                        <a:t>영업일 /   </a:t>
                       </a:r>
                     </a:p>
                     <a:p>
@@ -8482,14 +7926,14 @@
                         </a:spcBef>
                       </a:pPr>
                       <a:r>
-                        <a:rPr lang="en-US" sz="900" spc="0" dirty="0">
+                        <a:rPr lang="ja-jp" sz="900" spc="0" dirty="0">
                           <a:solidFill>
                             <a:srgbClr val="020302"/>
                           </a:solidFill>
                           <a:latin typeface="AdobeClean-Light"/>
                           <a:cs typeface="AdobeClean-Light"/>
                         </a:rPr>
-                        <a:t>4 hours</a:t>
+                        <a:t>4시간</a:t>
                       </a:r>
                       <a:endParaRPr lang="en-US" sz="900" spc="0" dirty="0">
                         <a:latin typeface="AdobeClean-Light"/>
@@ -8695,14 +8139,14 @@
                         </a:spcBef>
                       </a:pPr>
                       <a:r>
-                        <a:rPr sz="900" b="1" spc="0" dirty="0">
+                        <a:rPr lang="ja-jp" sz="900" b="1" spc="0" dirty="0">
                           <a:solidFill>
                             <a:srgbClr val="020302"/>
                           </a:solidFill>
                           <a:latin typeface="Adobe Clean"/>
                           <a:cs typeface="Adobe Clean"/>
                         </a:rPr>
-                        <a:t>PRIORITY 4</a:t>
+                        <a:t>우선 순위 4</a:t>
                       </a:r>
                       <a:endParaRPr sz="900" spc="0" dirty="0">
                         <a:latin typeface="Adobe Clean"/>
@@ -8728,14 +8172,14 @@
                         <a:defRPr/>
                       </a:pPr>
                       <a:r>
-                        <a:rPr lang="en-US" sz="900" b="0" i="0" spc="0" dirty="0">
+                        <a:rPr lang="ja-jp" sz="900" b="0" i="0" spc="0" dirty="0">
                           <a:solidFill>
                             <a:srgbClr val="000000"/>
                           </a:solidFill>
                           <a:effectLst/>
                           <a:latin typeface="Adobe Clean Light" panose="020B0303020404020204" pitchFamily="34" charset="0"/>
                         </a:rPr>
-                        <a:t>General question regarding current product functionality or an enhancement request.</a:t>
+                        <a:t>현재 제품 기능에 관한 일반적인 질문 또는 개선 요청입니다.</a:t>
                       </a:r>
                       <a:endParaRPr sz="900" b="0" i="0" spc="0" dirty="0">
                         <a:latin typeface="Adobe Clean Light" panose="020B0303020404020204" pitchFamily="34" charset="0"/>
@@ -8790,14 +8234,14 @@
                         </a:tabLst>
                       </a:pPr>
                       <a:r>
-                        <a:rPr lang="en-US" sz="900" spc="0" dirty="0">
+                        <a:rPr lang="ja-jp" sz="900" spc="0" dirty="0">
                           <a:solidFill>
                             <a:srgbClr val="020302"/>
                           </a:solidFill>
                           <a:latin typeface="AdobeClean-Light"/>
                           <a:cs typeface="AdobeClean-Light"/>
                         </a:rPr>
-                        <a:t>  Business day /   </a:t>
+                        <a:t>  영업일 /   </a:t>
                       </a:r>
                     </a:p>
                     <a:p>
@@ -8810,14 +8254,14 @@
                         </a:spcBef>
                       </a:pPr>
                       <a:r>
-                        <a:rPr lang="en-US" sz="900" spc="0" dirty="0">
+                        <a:rPr lang="ja-jp" sz="900" spc="0" dirty="0">
                           <a:solidFill>
                             <a:srgbClr val="020302"/>
                           </a:solidFill>
                           <a:latin typeface="AdobeClean-Light"/>
                           <a:cs typeface="AdobeClean-Light"/>
                         </a:rPr>
-                        <a:t>1 day </a:t>
+                        <a:t>1일 </a:t>
                       </a:r>
                       <a:endParaRPr lang="en-US" sz="900" spc="0" dirty="0">
                         <a:latin typeface="AdobeClean-Light"/>
@@ -9100,14 +8544,14 @@
               </a:spcBef>
             </a:pPr>
             <a:r>
-              <a:rPr lang="en-US" sz="1400" b="1" spc="-10" dirty="0">
+              <a:rPr lang="ja-jp" sz="1400" b="1" spc="-10" dirty="0">
                 <a:solidFill>
                   <a:srgbClr val="020302"/>
                 </a:solidFill>
                 <a:latin typeface="Adobe Clean"/>
                 <a:cs typeface="Adobe Clean"/>
               </a:rPr>
-              <a:t>Enterprise Support Features</a:t>
+              <a:t>엔터프라이즈 지원 기능</a:t>
             </a:r>
             <a:endParaRPr lang="en-US" sz="1400" dirty="0">
               <a:latin typeface="Adobe Clean"/>
@@ -9152,77 +8596,17 @@
               </a:spcBef>
             </a:pPr>
             <a:r>
-              <a:rPr sz="1200" b="1" spc="-20" dirty="0">
+              <a:rPr lang="ja-jp" sz="1200" b="1" spc="-20" dirty="0">
                 <a:solidFill>
                   <a:srgbClr val="020302"/>
                 </a:solidFill>
                 <a:latin typeface="Adobe Clean"/>
                 <a:cs typeface="Adobe Clean"/>
               </a:rPr>
-              <a:t>S</a:t>
-            </a:r>
-            <a:r>
-              <a:rPr sz="1200" b="1" spc="-25" dirty="0">
-                <a:solidFill>
-                  <a:srgbClr val="020302"/>
-                </a:solidFill>
-                <a:latin typeface="Adobe Clean"/>
-                <a:cs typeface="Adobe Clean"/>
-              </a:rPr>
-              <a:t>e</a:t>
-            </a:r>
-            <a:r>
-              <a:rPr sz="1200" b="1" spc="-20" dirty="0">
-                <a:solidFill>
-                  <a:srgbClr val="020302"/>
-                </a:solidFill>
-                <a:latin typeface="Adobe Clean"/>
-                <a:cs typeface="Adobe Clean"/>
-              </a:rPr>
-              <a:t>r</a:t>
-            </a:r>
-            <a:r>
-              <a:rPr sz="1200" b="1" spc="-25" dirty="0">
-                <a:solidFill>
-                  <a:srgbClr val="020302"/>
-                </a:solidFill>
-                <a:latin typeface="Adobe Clean"/>
-                <a:cs typeface="Adobe Clean"/>
-              </a:rPr>
-              <a:t>v</a:t>
-            </a:r>
-            <a:r>
-              <a:rPr sz="1200" b="1" spc="-20" dirty="0">
-                <a:solidFill>
-                  <a:srgbClr val="020302"/>
-                </a:solidFill>
-                <a:latin typeface="Adobe Clean"/>
-                <a:cs typeface="Adobe Clean"/>
-              </a:rPr>
-              <a:t>i</a:t>
-            </a:r>
-            <a:r>
-              <a:rPr sz="1200" b="1" spc="-30" dirty="0">
-                <a:solidFill>
-                  <a:srgbClr val="020302"/>
-                </a:solidFill>
-                <a:latin typeface="Adobe Clean"/>
-                <a:cs typeface="Adobe Clean"/>
-              </a:rPr>
-              <a:t>c</a:t>
-            </a:r>
-            <a:r>
-              <a:rPr sz="1200" b="1" dirty="0">
-                <a:solidFill>
-                  <a:srgbClr val="020302"/>
-                </a:solidFill>
-                <a:latin typeface="Adobe Clean"/>
-                <a:cs typeface="Adobe Clean"/>
-              </a:rPr>
-              <a:t>e</a:t>
-            </a:r>
-            <a:r>
-              <a:rPr sz="1200" b="1" spc="-80" dirty="0">
+              <a:t>서비스</a:t>
+            </a:r>
+            <a:r>
+              <a:rPr lang="ja-jp" sz="1200" b="1" spc="-80" dirty="0">
                 <a:solidFill>
                   <a:srgbClr val="020302"/>
                 </a:solidFill>
@@ -9232,64 +8616,14 @@
               <a:t> </a:t>
             </a:r>
             <a:r>
-              <a:rPr sz="1200" b="1" spc="-20" dirty="0">
+              <a:rPr lang="ja-jp" sz="1200" b="1" spc="-20" dirty="0">
                 <a:solidFill>
                   <a:srgbClr val="020302"/>
                 </a:solidFill>
                 <a:latin typeface="Adobe Clean"/>
                 <a:cs typeface="Adobe Clean"/>
               </a:rPr>
-              <a:t>R</a:t>
-            </a:r>
-            <a:r>
-              <a:rPr sz="1200" b="1" spc="-25" dirty="0">
-                <a:solidFill>
-                  <a:srgbClr val="020302"/>
-                </a:solidFill>
-                <a:latin typeface="Adobe Clean"/>
-                <a:cs typeface="Adobe Clean"/>
-              </a:rPr>
-              <a:t>e</a:t>
-            </a:r>
-            <a:r>
-              <a:rPr sz="1200" b="1" spc="-30" dirty="0">
-                <a:solidFill>
-                  <a:srgbClr val="020302"/>
-                </a:solidFill>
-                <a:latin typeface="Adobe Clean"/>
-                <a:cs typeface="Adobe Clean"/>
-              </a:rPr>
-              <a:t>v</a:t>
-            </a:r>
-            <a:r>
-              <a:rPr sz="1200" b="1" spc="-20" dirty="0">
-                <a:solidFill>
-                  <a:srgbClr val="020302"/>
-                </a:solidFill>
-                <a:latin typeface="Adobe Clean"/>
-                <a:cs typeface="Adobe Clean"/>
-              </a:rPr>
-              <a:t>i</a:t>
-            </a:r>
-            <a:r>
-              <a:rPr sz="1200" b="1" spc="-25" dirty="0">
-                <a:solidFill>
-                  <a:srgbClr val="020302"/>
-                </a:solidFill>
-                <a:latin typeface="Adobe Clean"/>
-                <a:cs typeface="Adobe Clean"/>
-              </a:rPr>
-              <a:t>ew</a:t>
-            </a:r>
-            <a:r>
-              <a:rPr sz="1200" b="1" dirty="0">
-                <a:solidFill>
-                  <a:srgbClr val="020302"/>
-                </a:solidFill>
-                <a:latin typeface="Adobe Clean"/>
-                <a:cs typeface="Adobe Clean"/>
-              </a:rPr>
-              <a:t>s</a:t>
+              <a:t>리뷰</a:t>
             </a:r>
             <a:endParaRPr sz="1200" dirty="0">
               <a:latin typeface="Adobe Clean"/>
@@ -9334,10 +8668,10 @@
               </a:spcBef>
             </a:pPr>
             <a:r>
-              <a:rPr lang="en-US" sz="1000" dirty="0">
+              <a:rPr lang="ja-jp" sz="1000" dirty="0">
                 <a:latin typeface="Adobe Clean Light" panose="020B0303020404020204" pitchFamily="34" charset="0"/>
               </a:rPr>
-              <a:t>Comprehensive bi-annual review of Enterprise program services, benefits and support performance. May be combined with other strategic business reviews held with Adobe.</a:t>
+              <a:t>엔터프라이즈 프로그램 서비스, 혜택 및 지원 성능에 대한 연간 두 차례에 걸쳐 수행되는 종합적인 리뷰입니다.Adobe에서 실시하는 기타 전략 비즈니스 리뷰와 결합될 수 있습니다.</a:t>
             </a:r>
             <a:endParaRPr lang="en-US" sz="1000" dirty="0">
               <a:latin typeface="Adobe Clean Light" panose="020B0303020404020204" pitchFamily="34" charset="0"/>
@@ -9382,27 +8716,17 @@
               </a:spcBef>
             </a:pPr>
             <a:r>
-              <a:rPr lang="en-US" sz="1200" b="1" spc="-20" dirty="0">
+              <a:rPr lang="ja-jp" sz="1200" b="1" spc="-20" dirty="0">
                 <a:solidFill>
                   <a:srgbClr val="020302"/>
                 </a:solidFill>
                 <a:latin typeface="Adobe Clean"/>
                 <a:cs typeface="Adobe Clean"/>
               </a:rPr>
-              <a:t>Cas</a:t>
-            </a:r>
-            <a:r>
-              <a:rPr sz="1200" b="1" dirty="0">
-                <a:solidFill>
-                  <a:srgbClr val="020302"/>
-                </a:solidFill>
-                <a:latin typeface="Adobe Clean"/>
-                <a:cs typeface="Adobe Clean"/>
-              </a:rPr>
-              <a:t>e</a:t>
-            </a:r>
-            <a:r>
-              <a:rPr sz="1200" b="1" spc="-80" dirty="0">
+              <a:t>사례</a:t>
+            </a:r>
+            <a:r>
+              <a:rPr lang="ja-jp" sz="1200" b="1" spc="-80" dirty="0">
                 <a:solidFill>
                   <a:srgbClr val="020302"/>
                 </a:solidFill>
@@ -9412,64 +8736,14 @@
               <a:t> </a:t>
             </a:r>
             <a:r>
-              <a:rPr sz="1200" b="1" spc="-20" dirty="0">
+              <a:rPr lang="ja-jp" sz="1200" b="1" spc="-20" dirty="0">
                 <a:solidFill>
                   <a:srgbClr val="020302"/>
                 </a:solidFill>
                 <a:latin typeface="Adobe Clean"/>
                 <a:cs typeface="Adobe Clean"/>
               </a:rPr>
-              <a:t>R</a:t>
-            </a:r>
-            <a:r>
-              <a:rPr sz="1200" b="1" spc="-25" dirty="0">
-                <a:solidFill>
-                  <a:srgbClr val="020302"/>
-                </a:solidFill>
-                <a:latin typeface="Adobe Clean"/>
-                <a:cs typeface="Adobe Clean"/>
-              </a:rPr>
-              <a:t>e</a:t>
-            </a:r>
-            <a:r>
-              <a:rPr sz="1200" b="1" spc="-30" dirty="0">
-                <a:solidFill>
-                  <a:srgbClr val="020302"/>
-                </a:solidFill>
-                <a:latin typeface="Adobe Clean"/>
-                <a:cs typeface="Adobe Clean"/>
-              </a:rPr>
-              <a:t>v</a:t>
-            </a:r>
-            <a:r>
-              <a:rPr sz="1200" b="1" spc="-20" dirty="0">
-                <a:solidFill>
-                  <a:srgbClr val="020302"/>
-                </a:solidFill>
-                <a:latin typeface="Adobe Clean"/>
-                <a:cs typeface="Adobe Clean"/>
-              </a:rPr>
-              <a:t>i</a:t>
-            </a:r>
-            <a:r>
-              <a:rPr sz="1200" b="1" spc="-25" dirty="0">
-                <a:solidFill>
-                  <a:srgbClr val="020302"/>
-                </a:solidFill>
-                <a:latin typeface="Adobe Clean"/>
-                <a:cs typeface="Adobe Clean"/>
-              </a:rPr>
-              <a:t>ew</a:t>
-            </a:r>
-            <a:r>
-              <a:rPr sz="1200" b="1" dirty="0">
-                <a:solidFill>
-                  <a:srgbClr val="020302"/>
-                </a:solidFill>
-                <a:latin typeface="Adobe Clean"/>
-                <a:cs typeface="Adobe Clean"/>
-              </a:rPr>
-              <a:t>s</a:t>
+              <a:t>검토</a:t>
             </a:r>
             <a:endParaRPr sz="1200" dirty="0">
               <a:latin typeface="Adobe Clean"/>
@@ -9514,13 +8788,13 @@
               </a:spcBef>
             </a:pPr>
             <a:r>
-              <a:rPr lang="en-US" sz="1000" dirty="0">
+              <a:rPr lang="ja-jp" sz="1000" dirty="0">
                 <a:latin typeface="Adobe Clean Light" panose="020B0303020404020204" pitchFamily="34" charset="0"/>
               </a:rPr>
-              <a:t>Regularly scheduled reviews of open support requests, ensuring customer alignment on case description, business impact, status, priority and agreement on next steps required to ensure a timely resolution</a:t>
-            </a:r>
-            <a:r>
-              <a:rPr lang="en-US" sz="1000" dirty="0">
+              <a:t>진행 중인 지원 요청을 정기적으로 검토하여 사례 설명, 비즈니스 영향, 상태, 우선 순위 및 필요한 다음 단계에 대한 고객의 동의에 맞춰 조정함으로써 신속한 해결을 보장합니다</a:t>
+            </a:r>
+            <a:r>
+              <a:rPr lang="ja-jp" sz="1000" dirty="0">
                 <a:solidFill>
                   <a:srgbClr val="4B4B4B"/>
                 </a:solidFill>
@@ -9746,14 +9020,14 @@
               </a:spcBef>
             </a:pPr>
             <a:r>
-              <a:rPr lang="en-US" sz="1400" b="1" spc="-10" dirty="0">
+              <a:rPr lang="ja-jp" sz="1400" b="1" spc="-10" dirty="0">
                 <a:solidFill>
                   <a:srgbClr val="020302"/>
                 </a:solidFill>
                 <a:latin typeface="Adobe Clean"/>
                 <a:cs typeface="Adobe Clean"/>
               </a:rPr>
-              <a:t>Standard Support Features</a:t>
+              <a:t>표준 지원 기능</a:t>
             </a:r>
             <a:endParaRPr lang="en-US" sz="1400" dirty="0">
               <a:latin typeface="Adobe Clean"/>
@@ -9943,14 +9217,14 @@
               </a:spcBef>
             </a:pPr>
             <a:r>
-              <a:rPr lang="en-US" sz="1200" b="1" spc="-20">
+              <a:rPr lang="ja-jp" sz="1200" b="1" spc="-20">
                 <a:solidFill>
                   <a:srgbClr val="020302"/>
                 </a:solidFill>
                 <a:latin typeface="Adobe Clean"/>
                 <a:cs typeface="Adobe Clean"/>
               </a:rPr>
-              <a:t>In-Region Support Option</a:t>
+              <a:t>지역 지원 옵션</a:t>
             </a:r>
             <a:endParaRPr lang="en-US" sz="1200">
               <a:latin typeface="Adobe Clean"/>
@@ -9994,10 +9268,10 @@
               </a:spcBef>
             </a:pPr>
             <a:r>
-              <a:rPr lang="en-US" sz="1000" dirty="0">
+              <a:rPr lang="ja-jp" sz="1000" dirty="0">
                 <a:latin typeface="Adobe Clean Light" panose="020B0303020404020204" pitchFamily="34" charset="0"/>
               </a:rPr>
-              <a:t>Receive support from members of our Adobe Support Team located within your global region. This may include in-country and/or in-language support. </a:t>
+              <a:t>사용자의 글로벌 지역 내에 있는 Adobe 지원 팀의 멤버로부터 지원을 받게 됩니다.여기에는 국가 및/또는 언어 지원이 포함될 수 있습니다.</a:t>
             </a:r>
           </a:p>
         </p:txBody>
@@ -10095,12 +9369,12 @@
               </a:spcAft>
             </a:pPr>
             <a:r>
-              <a:rPr lang="en-US" sz="1200" b="1" dirty="0">
+              <a:rPr lang="ja-jp" sz="1200" b="1" dirty="0">
                 <a:latin typeface="Adobe Clean" panose="020B0503020404020204" pitchFamily="34" charset="0"/>
                 <a:ea typeface="Open Sans" pitchFamily="34" charset="0"/>
                 <a:cs typeface="Open Sans" pitchFamily="34" charset="0"/>
               </a:rPr>
-              <a:t>Community Forums</a:t>
+              <a:t>커뮤니티 포럼</a:t>
             </a:r>
           </a:p>
         </p:txBody>
@@ -10133,13 +9407,13 @@
           <a:lstStyle/>
           <a:p>
             <a:r>
-              <a:rPr lang="en-US" sz="1000" dirty="0">
+              <a:rPr lang="ja-jp" sz="1000" dirty="0">
                 <a:solidFill>
                   <a:srgbClr val="000000"/>
                 </a:solidFill>
                 <a:latin typeface="Adobe Clean Light" panose="020B0303020404020204" pitchFamily="34" charset="0"/>
               </a:rPr>
-              <a:t>Continuous online access to a growing database of technical solutions, product documentation, FAQs and more. Connect with other customers on Adobe Community to share best practices and lessons learned..</a:t>
+              <a:t>기술 솔루션, 제품 문서, FAQ 등 증가하는 데이터베이스에 대한 지속적인 온라인 액세스.Adobe 커뮤니티에서 다른 고객과 소통하여 모범 사례 및 진행 중 얻은 개선 사항을 공유합니다.</a:t>
             </a:r>
           </a:p>
         </p:txBody>
@@ -10182,12 +9456,12 @@
               </a:spcAft>
             </a:pPr>
             <a:r>
-              <a:rPr lang="en-US" sz="1200" b="1" dirty="0">
+              <a:rPr lang="ja-jp" sz="1200" b="1" dirty="0">
                 <a:latin typeface="Adobe Clean" panose="020B0503020404020204" pitchFamily="34" charset="0"/>
                 <a:ea typeface="Open Sans" pitchFamily="34" charset="0"/>
                 <a:cs typeface="Open Sans" pitchFamily="34" charset="0"/>
               </a:rPr>
-              <a:t>Self-Help Portal</a:t>
+              <a:t>자가 진단 포털</a:t>
             </a:r>
           </a:p>
         </p:txBody>
@@ -10220,13 +9494,13 @@
           <a:lstStyle/>
           <a:p>
             <a:r>
-              <a:rPr lang="en-US" sz="1000" dirty="0">
+              <a:rPr lang="ja-jp" sz="1000" dirty="0">
                 <a:solidFill>
                   <a:srgbClr val="000000"/>
                 </a:solidFill>
                 <a:latin typeface="Adobe Clean Light" panose="020B0303020404020204" pitchFamily="34" charset="0"/>
               </a:rPr>
-              <a:t>On-demand access to the online Self-help Support Portal review case status, and browse other resources, like our  news and alerts, knowledge base, featured tips, and more.</a:t>
+              <a:t>온라인 자가 진단 지원 포털에 대한 온디맨드 액세스를 통해 사례 상태를 검토하고 뉴스 및 알림, 기술 자료, 추천 팁 등과 같은 기타 리소스를 검색할 수 있습니다.</a:t>
             </a:r>
           </a:p>
         </p:txBody>
@@ -10246,7 +9520,7 @@
         <p:spPr>
           <a:xfrm>
             <a:off x="5382768" y="7055179"/>
-            <a:ext cx="2148840" cy="641201"/>
+            <a:ext cx="2148840" cy="948978"/>
           </a:xfrm>
           <a:prstGeom prst="rect">
             <a:avLst/>
@@ -10270,77 +9544,77 @@
               </a:tabLst>
             </a:pPr>
             <a:r>
-              <a:rPr lang="en-US" sz="1000" spc="-20" dirty="0">
+              <a:rPr lang="ja-jp" sz="1000" spc="-20" dirty="0">
                 <a:solidFill>
                   <a:srgbClr val="020302"/>
                 </a:solidFill>
                 <a:latin typeface="AdobeClean-Light"/>
                 <a:cs typeface="AdobeClean-Light"/>
               </a:rPr>
-              <a:t>Authorized Users (Admins) can start a chat session with Adobe Support </a:t>
-            </a:r>
-            <a:r>
-              <a:rPr lang="en-US" sz="1000" spc="-5" dirty="0">
+              <a:t>승인된 사용자(관리자)는 Adobe 지원 팀과 함께 채팅 세션을 시작하여 </a:t>
+            </a:r>
+            <a:r>
+              <a:rPr lang="ja-jp" sz="1000" spc="-5" dirty="0">
                 <a:solidFill>
                   <a:srgbClr val="020302"/>
                 </a:solidFill>
                 <a:latin typeface="AdobeClean-Light"/>
                 <a:cs typeface="AdobeClean-Light"/>
               </a:rPr>
-              <a:t>to </a:t>
-            </a:r>
-            <a:r>
-              <a:rPr lang="en-US" sz="1000" spc="-10" dirty="0">
+              <a:t>사례 </a:t>
+            </a:r>
+            <a:r>
+              <a:rPr lang="ja-jp" sz="1000" spc="-10" dirty="0">
                 <a:solidFill>
                   <a:srgbClr val="020302"/>
                 </a:solidFill>
                 <a:latin typeface="AdobeClean-Light"/>
                 <a:cs typeface="AdobeClean-Light"/>
               </a:rPr>
-              <a:t>get </a:t>
-            </a:r>
-            <a:r>
-              <a:rPr lang="en-US" sz="1000" spc="-20" dirty="0">
+              <a:t>제출에 </a:t>
+            </a:r>
+            <a:r>
+              <a:rPr lang="ja-jp" sz="1000" spc="-20" dirty="0">
                 <a:solidFill>
                   <a:srgbClr val="020302"/>
                 </a:solidFill>
                 <a:latin typeface="AdobeClean-Light"/>
                 <a:cs typeface="AdobeClean-Light"/>
               </a:rPr>
-              <a:t>answers</a:t>
-            </a:r>
-            <a:r>
-              <a:rPr lang="en-US" sz="1000" spc="-45" dirty="0">
+              <a:t>대한</a:t>
+            </a:r>
+            <a:r>
+              <a:rPr lang="ja-jp" sz="1000" spc="-45" dirty="0">
                 <a:solidFill>
                   <a:srgbClr val="020302"/>
                 </a:solidFill>
                 <a:latin typeface="AdobeClean-Light"/>
                 <a:cs typeface="AdobeClean-Light"/>
               </a:rPr>
-              <a:t> and </a:t>
-            </a:r>
-            <a:r>
-              <a:rPr lang="en-US" sz="1000" spc="-15" dirty="0">
+              <a:t> 답변 </a:t>
+            </a:r>
+            <a:r>
+              <a:rPr lang="ja-jp" sz="1000" spc="-15" dirty="0">
                 <a:solidFill>
                   <a:srgbClr val="020302"/>
                 </a:solidFill>
                 <a:latin typeface="AdobeClean-Light"/>
                 <a:cs typeface="AdobeClean-Light"/>
               </a:rPr>
-              <a:t>help </a:t>
-            </a:r>
-            <a:r>
-              <a:rPr lang="en-US" sz="1000" spc="-10" dirty="0">
+              <a:t>및 </a:t>
+            </a:r>
+            <a:r>
+              <a:rPr lang="ja-jp" sz="1000" spc="-10" dirty="0">
                 <a:solidFill>
                   <a:srgbClr val="020302"/>
                 </a:solidFill>
                 <a:latin typeface="AdobeClean-Light"/>
                 <a:cs typeface="AdobeClean-Light"/>
               </a:rPr>
-              <a:t>with</a:t>
-            </a:r>
-            <a:r>
-              <a:rPr lang="en-US" sz="1000" spc="85" dirty="0">
+              <a:t>도움을</a:t>
+            </a:r>
+            <a:r>
+              <a:rPr lang="ja-jp" sz="1000" spc="85" dirty="0">
                 <a:solidFill>
                   <a:srgbClr val="020302"/>
                 </a:solidFill>
@@ -10350,24 +9624,24 @@
               <a:t> </a:t>
             </a:r>
             <a:r>
-              <a:rPr lang="en-US" sz="1000" spc="-10" dirty="0">
+              <a:rPr lang="ja-jp" sz="1000" spc="-10" dirty="0">
                 <a:solidFill>
                   <a:srgbClr val="020302"/>
                 </a:solidFill>
                 <a:latin typeface="AdobeClean-Light"/>
                 <a:cs typeface="AdobeClean-Light"/>
               </a:rPr>
-              <a:t>case </a:t>
-            </a:r>
-            <a:r>
-              <a:rPr lang="en-US" sz="1000" spc="-20" dirty="0">
+              <a:t>얻을 수 </a:t>
+            </a:r>
+            <a:r>
+              <a:rPr lang="ja-jp" sz="1000" spc="-20" dirty="0">
                 <a:solidFill>
                   <a:srgbClr val="020302"/>
                 </a:solidFill>
                 <a:latin typeface="AdobeClean-Light"/>
                 <a:cs typeface="AdobeClean-Light"/>
               </a:rPr>
-              <a:t>submission.</a:t>
+              <a:t>있습니다.</a:t>
             </a:r>
           </a:p>
           <a:p>
@@ -10383,14 +9657,53 @@
               </a:tabLst>
             </a:pPr>
             <a:r>
-              <a:rPr lang="en-US" sz="1000" i="1" spc="-10" dirty="0">
+              <a:rPr lang="ja-jp" sz="1000" i="1" spc="-10" dirty="0">
                 <a:solidFill>
                   <a:srgbClr val="7A7A7A"/>
                 </a:solidFill>
                 <a:latin typeface="AdobeClean-LightIt"/>
                 <a:cs typeface="AdobeClean-LightIt"/>
               </a:rPr>
-              <a:t>Subject to local hours</a:t>
+              <a:t>로컬 운영 시간에 따라 변경될 </a:t>
+            </a:r>
+            <a:r>
+              <a:rPr lang="ja-jp" sz="1000" i="1" spc="-10">
+                <a:solidFill>
+                  <a:srgbClr val="7A7A7A"/>
+                </a:solidFill>
+                <a:latin typeface="AdobeClean-LightIt"/>
+                <a:cs typeface="AdobeClean-LightIt"/>
+              </a:rPr>
+              <a:t>수 </a:t>
+            </a:r>
+            <a:br>
+              <a:rPr lang="en-US" altLang="ja-JP" sz="1000" i="1" spc="-10" dirty="0">
+                <a:solidFill>
+                  <a:srgbClr val="7A7A7A"/>
+                </a:solidFill>
+                <a:latin typeface="AdobeClean-LightIt"/>
+                <a:cs typeface="AdobeClean-LightIt"/>
+              </a:rPr>
+            </a:br>
+            <a:r>
+              <a:rPr lang="ja-jp" sz="1000" i="1" spc="-10">
+                <a:solidFill>
+                  <a:srgbClr val="7A7A7A"/>
+                </a:solidFill>
+                <a:latin typeface="AdobeClean-LightIt"/>
+                <a:cs typeface="AdobeClean-LightIt"/>
+              </a:rPr>
+              <a:t>있</a:t>
+            </a:r>
+            <a:r>
+              <a:rPr lang="ja-jp" sz="1000" i="1" spc="-10" dirty="0">
+                <a:solidFill>
+                  <a:srgbClr val="7A7A7A"/>
+                </a:solidFill>
+                <a:latin typeface="AdobeClean-LightIt"/>
+                <a:cs typeface="AdobeClean-LightIt"/>
+              </a:rPr>
+              <a:t>음</a:t>
             </a:r>
             <a:endParaRPr lang="en-US" sz="1000" dirty="0">
               <a:latin typeface="AdobeClean-Light"/>
@@ -10437,12 +9750,12 @@
               </a:spcAft>
             </a:pPr>
             <a:r>
-              <a:rPr lang="en-US" sz="1200" b="1" dirty="0">
+              <a:rPr lang="ja-jp" sz="1200" b="1" dirty="0">
                 <a:latin typeface="Adobe Clean" panose="020B0503020404020204" pitchFamily="34" charset="0"/>
                 <a:ea typeface="Open Sans" pitchFamily="34" charset="0"/>
                 <a:cs typeface="Open Sans" pitchFamily="34" charset="0"/>
               </a:rPr>
-              <a:t>Chat Support</a:t>
+              <a:t>채팅 지원</a:t>
             </a:r>
           </a:p>
         </p:txBody>
@@ -10485,12 +9798,12 @@
               </a:spcAft>
             </a:pPr>
             <a:r>
-              <a:rPr lang="en-US" sz="1200" b="1" dirty="0">
+              <a:rPr lang="ja-jp" sz="1200" b="1" dirty="0">
                 <a:latin typeface="Adobe Clean" panose="020B0503020404020204" pitchFamily="34" charset="0"/>
                 <a:ea typeface="Open Sans" pitchFamily="34" charset="0"/>
                 <a:cs typeface="Open Sans" pitchFamily="34" charset="0"/>
               </a:rPr>
-              <a:t>Phone Support</a:t>
+              <a:t>전화 지원</a:t>
             </a:r>
           </a:p>
         </p:txBody>
@@ -10510,7 +9823,7 @@
         <p:spPr>
           <a:xfrm>
             <a:off x="1899187" y="8834114"/>
-            <a:ext cx="2023834" cy="651460"/>
+            <a:ext cx="2023834" cy="959237"/>
           </a:xfrm>
           <a:prstGeom prst="rect">
             <a:avLst/>
@@ -10523,62 +9836,62 @@
           <a:lstStyle/>
           <a:p>
             <a:r>
-              <a:rPr lang="en-US" sz="1000" dirty="0">
+              <a:rPr lang="ja-jp" sz="1000" dirty="0">
                 <a:solidFill>
                   <a:srgbClr val="020302"/>
                 </a:solidFill>
                 <a:latin typeface="AdobeClean-Light"/>
               </a:rPr>
-              <a:t>Authorized Users (Admins) </a:t>
-            </a:r>
-            <a:r>
-              <a:rPr lang="en-US" sz="1000" dirty="0">
+              <a:t>승인된 사용자(관리자)는 </a:t>
+            </a:r>
+            <a:r>
+              <a:rPr lang="ja-jp" sz="1000" dirty="0">
                 <a:latin typeface="Adobe Clean Light"/>
               </a:rPr>
-              <a:t>can call Adobe Support via phone </a:t>
-            </a:r>
-            <a:r>
-              <a:rPr lang="en-US" sz="1000" spc="-5" dirty="0">
+              <a:t>전화를 통해 Adobe 지원 팀에 문의하여 </a:t>
+            </a:r>
+            <a:r>
+              <a:rPr lang="ja-jp" sz="1000" spc="-5" dirty="0">
                 <a:solidFill>
                   <a:srgbClr val="020302"/>
                 </a:solidFill>
                 <a:latin typeface="AdobeClean-Light"/>
                 <a:cs typeface="AdobeClean-Light"/>
               </a:rPr>
-              <a:t>to </a:t>
-            </a:r>
-            <a:r>
-              <a:rPr lang="en-US" sz="1000" spc="-10" dirty="0">
+              <a:t>사례 </a:t>
+            </a:r>
+            <a:r>
+              <a:rPr lang="ja-jp" sz="1000" spc="-10" dirty="0">
                 <a:solidFill>
                   <a:srgbClr val="020302"/>
                 </a:solidFill>
                 <a:latin typeface="AdobeClean-Light"/>
                 <a:cs typeface="AdobeClean-Light"/>
               </a:rPr>
-              <a:t>get </a:t>
-            </a:r>
-            <a:r>
-              <a:rPr lang="en-US" sz="1000" spc="-20" dirty="0">
+              <a:t>제출에 </a:t>
+            </a:r>
+            <a:r>
+              <a:rPr lang="ja-jp" sz="1000" spc="-20" dirty="0">
                 <a:solidFill>
                   <a:srgbClr val="020302"/>
                 </a:solidFill>
                 <a:latin typeface="AdobeClean-Light"/>
                 <a:cs typeface="AdobeClean-Light"/>
               </a:rPr>
-              <a:t>answers</a:t>
-            </a:r>
-            <a:r>
-              <a:rPr lang="en-US" sz="1000" spc="-45" dirty="0">
+              <a:t>대한</a:t>
+            </a:r>
+            <a:r>
+              <a:rPr lang="ja-jp" sz="1000" spc="-45" dirty="0">
                 <a:solidFill>
                   <a:srgbClr val="020302"/>
                 </a:solidFill>
                 <a:latin typeface="AdobeClean-Light"/>
                 <a:cs typeface="AdobeClean-Light"/>
               </a:rPr>
-              <a:t> and</a:t>
-            </a:r>
-            <a:r>
-              <a:rPr lang="en-US" sz="1000" dirty="0">
+              <a:t> 답변</a:t>
+            </a:r>
+            <a:r>
+              <a:rPr lang="ja-jp" sz="1000" dirty="0">
                 <a:solidFill>
                   <a:srgbClr val="020302"/>
                 </a:solidFill>
@@ -10588,46 +9901,85 @@
               <a:t> </a:t>
             </a:r>
             <a:r>
-              <a:rPr lang="en-US" sz="1000" spc="-15" dirty="0">
+              <a:rPr lang="ja-jp" sz="1000" spc="-15" dirty="0">
                 <a:solidFill>
                   <a:srgbClr val="020302"/>
                 </a:solidFill>
                 <a:latin typeface="AdobeClean-Light"/>
                 <a:cs typeface="AdobeClean-Light"/>
               </a:rPr>
-              <a:t>help </a:t>
-            </a:r>
-            <a:r>
-              <a:rPr lang="en-US" sz="1000" spc="-10" dirty="0">
+              <a:t>및 </a:t>
+            </a:r>
+            <a:r>
+              <a:rPr lang="ja-jp" sz="1000" spc="-10" dirty="0">
                 <a:solidFill>
                   <a:srgbClr val="020302"/>
                 </a:solidFill>
                 <a:latin typeface="AdobeClean-Light"/>
                 <a:cs typeface="AdobeClean-Light"/>
               </a:rPr>
-              <a:t>with case </a:t>
-            </a:r>
-            <a:r>
-              <a:rPr lang="en-US" sz="1000" spc="-20" dirty="0">
+              <a:t>도움을 </a:t>
+            </a:r>
+            <a:r>
+              <a:rPr lang="ja-jp" sz="1000" spc="-20" dirty="0">
                 <a:solidFill>
                   <a:srgbClr val="020302"/>
                 </a:solidFill>
                 <a:latin typeface="AdobeClean-Light"/>
                 <a:cs typeface="AdobeClean-Light"/>
               </a:rPr>
-              <a:t>submission.</a:t>
+              <a:t>얻을 수 있습니다.</a:t>
             </a:r>
           </a:p>
           <a:p>
             <a:r>
-              <a:rPr lang="en-US" sz="1000" i="1" spc="-10" dirty="0">
+              <a:rPr lang="ja-jp" sz="1000" i="1" spc="-10" dirty="0">
                 <a:solidFill>
                   <a:srgbClr val="7A7A7A"/>
                 </a:solidFill>
                 <a:latin typeface="Adobe Clean Light" panose="020B0303020404020204" pitchFamily="34" charset="0"/>
                 <a:cs typeface="AdobeClean-LightIt"/>
               </a:rPr>
-              <a:t>Subject to local hours</a:t>
+              <a:t>로컬 운영 시간에 따라 변경될 </a:t>
+            </a:r>
+            <a:r>
+              <a:rPr lang="ja-jp" sz="1000" i="1" spc="-10">
+                <a:solidFill>
+                  <a:srgbClr val="7A7A7A"/>
+                </a:solidFill>
+                <a:latin typeface="Adobe Clean Light" panose="020B0303020404020204" pitchFamily="34" charset="0"/>
+                <a:cs typeface="AdobeClean-LightIt"/>
+              </a:rPr>
+              <a:t>수 </a:t>
+            </a:r>
+            <a:br>
+              <a:rPr lang="en-US" altLang="ja-JP" sz="1000" i="1" spc="-10" dirty="0">
+                <a:solidFill>
+                  <a:srgbClr val="7A7A7A"/>
+                </a:solidFill>
+                <a:latin typeface="Adobe Clean Light" panose="020B0303020404020204" pitchFamily="34" charset="0"/>
+                <a:cs typeface="AdobeClean-LightIt"/>
+              </a:rPr>
+            </a:br>
+            <a:r>
+              <a:rPr lang="ja-jp" sz="1000" i="1" spc="-10">
+                <a:solidFill>
+                  <a:srgbClr val="7A7A7A"/>
+                </a:solidFill>
+                <a:latin typeface="Adobe Clean Light" panose="020B0303020404020204" pitchFamily="34" charset="0"/>
+                <a:cs typeface="AdobeClean-LightIt"/>
+              </a:rPr>
+              <a:t>있</a:t>
+            </a:r>
+            <a:r>
+              <a:rPr lang="ja-jp" sz="1000" i="1" spc="-10" dirty="0">
+                <a:solidFill>
+                  <a:srgbClr val="7A7A7A"/>
+                </a:solidFill>
+                <a:latin typeface="Adobe Clean Light" panose="020B0303020404020204" pitchFamily="34" charset="0"/>
+                <a:cs typeface="AdobeClean-LightIt"/>
+              </a:rPr>
+              <a:t>음</a:t>
             </a:r>
             <a:endParaRPr lang="en-US" sz="1000" i="1" dirty="0">
               <a:latin typeface="Adobe Clean Light" panose="020B0303020404020204" pitchFamily="34" charset="0"/>
@@ -10674,12 +10026,12 @@
               </a:spcAft>
             </a:pPr>
             <a:r>
-              <a:rPr lang="en-US" sz="1200" b="1" dirty="0">
+              <a:rPr lang="ja-jp" sz="1200" b="1" dirty="0">
                 <a:latin typeface="Adobe Clean" panose="020B0503020404020204" pitchFamily="34" charset="0"/>
                 <a:ea typeface="Open Sans" pitchFamily="34" charset="0"/>
                 <a:cs typeface="Open Sans" pitchFamily="34" charset="0"/>
               </a:rPr>
-              <a:t>Web Case Submission</a:t>
+              <a:t>웹 사례 제출</a:t>
             </a:r>
           </a:p>
         </p:txBody>
@@ -10712,19 +10064,19 @@
           <a:lstStyle/>
           <a:p>
             <a:r>
-              <a:rPr lang="en-US" sz="1000" dirty="0">
+              <a:rPr lang="ja-jp" sz="1000" dirty="0">
                 <a:solidFill>
                   <a:srgbClr val="020302"/>
                 </a:solidFill>
                 <a:latin typeface="AdobeClean-Light"/>
               </a:rPr>
-              <a:t>Authorized Users (Admins) </a:t>
-            </a:r>
-            <a:r>
-              <a:rPr lang="en-US" sz="1000" dirty="0">
+              <a:t>승인된 사용자(관리자)</a:t>
+            </a:r>
+            <a:r>
+              <a:rPr lang="ja-jp" sz="1000" dirty="0">
                 <a:latin typeface="Adobe Clean Light"/>
               </a:rPr>
-              <a:t>can submit unlimited web cases at any time for support issues for review by our technical support team.</a:t>
+              <a:t>는 언제든지 지원 문제에 대한 웹 사례를 당사의 기술 지원 팀에서 검토하도록 무제한으로 제출할 수 있습니다.</a:t>
             </a:r>
             <a:endParaRPr lang="en-US" sz="1000" dirty="0">
               <a:solidFill>
@@ -10964,10 +10316,10 @@
               <a:defRPr/>
             </a:pPr>
             <a:r>
-              <a:rPr lang="en-US" sz="1000" dirty="0">
+              <a:rPr lang="ja-jp" sz="1000" dirty="0">
                 <a:latin typeface="Adobe Clean Light" panose="020B0303020404020204" pitchFamily="34" charset="0"/>
               </a:rPr>
-              <a:t>A designated Support Engineer who becomes familiar with your solution environment and business goals. The NSE is an experienced support engineer that helps coordinate your Enterprise Support experience.</a:t>
+              <a:t>고객의 솔루션 환경과 비즈니스 목표에 정통하게 될 지정 지원 엔지니어입니다.엔터프라이즈 지원 경험을 조정할 수 있게 숙련된 지원 엔지니어입니다.</a:t>
             </a:r>
           </a:p>
         </p:txBody>
@@ -11010,13 +10362,13 @@
               </a:spcAft>
             </a:pPr>
             <a:r>
-              <a:rPr lang="en-US" sz="1200" b="1" spc="-10" dirty="0">
+              <a:rPr lang="ja-jp" sz="1200" b="1" spc="-10" dirty="0">
                 <a:solidFill>
                   <a:srgbClr val="020302"/>
                 </a:solidFill>
                 <a:latin typeface="Adobe Clean" panose="020B0503020404020204" pitchFamily="34" charset="0"/>
               </a:rPr>
-              <a:t>Named Support Engineer</a:t>
+              <a:t>지정 지원 엔지니어</a:t>
             </a:r>
           </a:p>
         </p:txBody>
@@ -11054,11 +10406,11 @@
               </a:spcBef>
             </a:pPr>
             <a:r>
-              <a:rPr lang="en-US" sz="1000" dirty="0">
+              <a:rPr lang="ja-jp" sz="1000" dirty="0">
                 <a:latin typeface="Adobe Clean Light" panose="020B0303020404020204" pitchFamily="34" charset="0"/>
                 <a:cs typeface="AdobeClean-Light"/>
               </a:rPr>
-              <a:t>Receive prioritized routing to ensure faster connection to more senior support resources on submitted cases. </a:t>
+              <a:t>제출된 사례에 대한 고급 지원 리소스에 보다 빠르게 연결할 수 있는 우선 순위 라우팅을 받게 됩니다.</a:t>
             </a:r>
           </a:p>
         </p:txBody>
@@ -11101,13 +10453,13 @@
               </a:spcAft>
             </a:pPr>
             <a:r>
-              <a:rPr lang="en-US" sz="1200" b="1" spc="-10" dirty="0">
+              <a:rPr lang="ja-jp" sz="1200" b="1" spc="-10" dirty="0">
                 <a:solidFill>
                   <a:srgbClr val="020302"/>
                 </a:solidFill>
                 <a:latin typeface="Adobe Clean" panose="020B0503020404020204" pitchFamily="34" charset="0"/>
               </a:rPr>
-              <a:t>Priority Case Routing</a:t>
+              <a:t>우선 순위 사례 라우팅</a:t>
             </a:r>
           </a:p>
         </p:txBody>
@@ -11127,7 +10479,7 @@
         <p:spPr>
           <a:xfrm>
             <a:off x="5356260" y="1287481"/>
-            <a:ext cx="2148840" cy="651460"/>
+            <a:ext cx="2148840" cy="805349"/>
           </a:xfrm>
           <a:prstGeom prst="rect">
             <a:avLst/>
@@ -11148,10 +10500,33 @@
               </a:spcBef>
             </a:pPr>
             <a:r>
-              <a:rPr lang="en-US" sz="1000" dirty="0">
+              <a:rPr lang="ja-jp" sz="1000" dirty="0">
                 <a:latin typeface="Adobe Clean Light" panose="020B0303020404020204" pitchFamily="34" charset="0"/>
               </a:rPr>
-              <a:t>A designated point of contact within Adobe who can provide escalation assistance, regular updates and ensure priority is given to your most critical open support requests.</a:t>
+              <a:t>에스컬레이션 지원 및 정기 업데이트를 제공하고 진행 중인 지원 요청에서 가장 중요한 것에 우선 순위를 부여할 수 있는 Adobe 내의 지정된 담당</a:t>
+            </a:r>
+            <a:r>
+              <a:rPr lang="ja-jp" sz="1000">
+                <a:latin typeface="Adobe Clean Light" panose="020B0303020404020204" pitchFamily="34" charset="0"/>
+              </a:rPr>
+              <a:t>자입</a:t>
+            </a:r>
+            <a:br>
+              <a:rPr lang="en-US" altLang="ja-JP" sz="1000" dirty="0">
+                <a:latin typeface="Adobe Clean Light" panose="020B0303020404020204" pitchFamily="34" charset="0"/>
+              </a:rPr>
+            </a:br>
+            <a:r>
+              <a:rPr lang="ja-jp" sz="1000">
+                <a:latin typeface="Adobe Clean Light" panose="020B0303020404020204" pitchFamily="34" charset="0"/>
+              </a:rPr>
+              <a:t>니</a:t>
+            </a:r>
+            <a:r>
+              <a:rPr lang="ja-jp" sz="1000" dirty="0">
+                <a:latin typeface="Adobe Clean Light" panose="020B0303020404020204" pitchFamily="34" charset="0"/>
+              </a:rPr>
+              <a:t>다.</a:t>
             </a:r>
             <a:endParaRPr lang="en-US" sz="1000" dirty="0">
               <a:latin typeface="Adobe Clean Light" panose="020B0303020404020204" pitchFamily="34" charset="0"/>
@@ -11198,13 +10573,13 @@
               </a:spcAft>
             </a:pPr>
             <a:r>
-              <a:rPr lang="en-US" sz="1200" b="1" spc="-10" dirty="0">
+              <a:rPr lang="ja-jp" sz="1200" b="1" spc="-10" dirty="0">
                 <a:solidFill>
                   <a:srgbClr val="020302"/>
                 </a:solidFill>
                 <a:latin typeface="Adobe Clean" panose="020B0503020404020204" pitchFamily="34" charset="0"/>
               </a:rPr>
-              <a:t>Escalation Management</a:t>
+              <a:t>에스컬레이션 관리</a:t>
             </a:r>
           </a:p>
         </p:txBody>
@@ -11369,10 +10744,33 @@
           <a:lstStyle/>
           <a:p>
             <a:r>
-              <a:rPr lang="en-US" sz="1200" b="1" dirty="0">
+              <a:rPr lang="ja-jp" sz="1200" b="1" dirty="0">
                 <a:latin typeface="Adobe Clean" panose="020B0503020404020204" pitchFamily="34" charset="0"/>
               </a:rPr>
-              <a:t>Accelerated Issue Prioritization</a:t>
+              <a:t>가속화된 문제 우선 순</a:t>
+            </a:r>
+            <a:r>
+              <a:rPr lang="ja-jp" sz="1200" b="1">
+                <a:latin typeface="Adobe Clean" panose="020B0503020404020204" pitchFamily="34" charset="0"/>
+              </a:rPr>
+              <a:t>위 </a:t>
+            </a:r>
+            <a:br>
+              <a:rPr lang="en-US" altLang="ja-JP" sz="1200" b="1" dirty="0">
+                <a:latin typeface="Adobe Clean" panose="020B0503020404020204" pitchFamily="34" charset="0"/>
+              </a:rPr>
+            </a:br>
+            <a:r>
+              <a:rPr lang="ja-jp" sz="1200" b="1">
+                <a:latin typeface="Adobe Clean" panose="020B0503020404020204" pitchFamily="34" charset="0"/>
+              </a:rPr>
+              <a:t>지</a:t>
+            </a:r>
+            <a:r>
+              <a:rPr lang="ja-jp" sz="1200" b="1" dirty="0">
+                <a:latin typeface="Adobe Clean" panose="020B0503020404020204" pitchFamily="34" charset="0"/>
+              </a:rPr>
+              <a:t>정</a:t>
             </a:r>
           </a:p>
         </p:txBody>
@@ -11411,11 +10809,11 @@
               <a:defRPr/>
             </a:pPr>
             <a:r>
-              <a:rPr lang="en-US" sz="1000" dirty="0">
+              <a:rPr lang="ja-jp" sz="1000" dirty="0">
                 <a:latin typeface="Adobe Clean Light" panose="020B0303020404020204" pitchFamily="34" charset="0"/>
                 <a:cs typeface="Adobe Clean Light"/>
               </a:rPr>
-              <a:t>Receive higher prioritization on support case work through facilitated engagement with Engineering.</a:t>
+              <a:t>엔지니어링과 함께 용이한 참여를 통해 지원 사례 작업에 대해 높은 우선 순위를 받게 됩니다.</a:t>
             </a:r>
           </a:p>
         </p:txBody>
@@ -11663,10 +11061,10 @@
           <a:lstStyle/>
           <a:p>
             <a:r>
-              <a:rPr lang="en-US" sz="1200" b="1" dirty="0">
+              <a:rPr lang="ja-jp" sz="1200" b="1" dirty="0">
                 <a:latin typeface="Adobe Clean" panose="020B0503020404020204" pitchFamily="34" charset="0"/>
               </a:rPr>
-              <a:t>Proactive Case Monitoring</a:t>
+              <a:t>사전 사례 모니터링</a:t>
             </a:r>
           </a:p>
         </p:txBody>
@@ -11705,10 +11103,10 @@
               <a:defRPr/>
             </a:pPr>
             <a:r>
-              <a:rPr lang="en-US" sz="1000" dirty="0">
+              <a:rPr lang="ja-jp" sz="1000" dirty="0">
                 <a:latin typeface="Adobe Clean Light" panose="020B0303020404020204" pitchFamily="34" charset="0"/>
               </a:rPr>
-              <a:t>A designated point of contact within Adobe will actively monitor open cases and take proactive and preventive actions to ensure timely resolution.</a:t>
+              <a:t>Adobe 내의 지정된 담당자는 진행 중인 사례를 활발하게 모니터링하고 사전 예방적 조치를 취하여 중요한 사항을 적시에 해결할 수 있게 됩니다.</a:t>
             </a:r>
             <a:endParaRPr lang="en-US" sz="1000" dirty="0">
               <a:latin typeface="Adobe Clean Light" panose="020B0303020404020204" pitchFamily="34" charset="0"/>
@@ -11790,40 +11188,36 @@
               </a:spcBef>
             </a:pPr>
             <a:r>
-              <a:rPr spc="-10" dirty="0"/>
-              <a:t>©202</a:t>
-            </a:r>
-            <a:r>
-              <a:rPr lang="en-US" spc="-10" dirty="0"/>
-              <a:t>2 </a:t>
-            </a:r>
-            <a:r>
-              <a:rPr spc="-5" dirty="0"/>
-              <a:t>Adobe. All</a:t>
-            </a:r>
-            <a:r>
-              <a:rPr spc="-10" dirty="0"/>
+              <a:rPr lang="ja-jp" spc="-10" dirty="0"/>
+              <a:t>©2022</a:t>
+            </a:r>
+            <a:r>
+              <a:rPr lang="ja-jp" spc="-5" dirty="0"/>
+              <a:t> Adobe.All</a:t>
+            </a:r>
+            <a:r>
+              <a:rPr lang="ja-jp" spc="-10" dirty="0"/>
               <a:t> Rights</a:t>
             </a:r>
             <a:r>
-              <a:rPr spc="-5" dirty="0"/>
+              <a:rPr lang="ja-jp" spc="-5" dirty="0"/>
               <a:t> </a:t>
             </a:r>
             <a:r>
-              <a:rPr spc="-10" dirty="0"/>
+              <a:rPr lang="ja-jp" spc="-10" dirty="0"/>
               <a:t>Reserved.</a:t>
             </a:r>
             <a:r>
-              <a:rPr spc="-5" dirty="0"/>
-              <a:t> Adobe</a:t>
-            </a:r>
-            <a:r>
-              <a:rPr spc="60" dirty="0"/>
+              <a:rPr lang="ja-jp" spc="-5" dirty="0"/>
+              <a:t>Adobe</a:t>
+            </a:r>
+            <a:r>
+              <a:rPr lang="ja-jp" spc="60" dirty="0"/>
               <a:t> </a:t>
             </a:r>
             <a:r>
-              <a:rPr spc="-10" dirty="0"/>
-              <a:t>Confidential.</a:t>
+              <a:rPr lang="ja-jp" spc="-10" dirty="0"/>
+              <a:t>기밀.</a:t>
             </a:r>
           </a:p>
         </p:txBody>
@@ -11885,17 +11279,17 @@
               </a:lnSpc>
             </a:pPr>
             <a:r>
-              <a:rPr sz="500" spc="-5">
+              <a:rPr lang="ja-jp" sz="500" spc="-5">
                 <a:solidFill>
                   <a:srgbClr val="6C6C6C"/>
                 </a:solidFill>
                 <a:latin typeface="Adobe Clean"/>
                 <a:cs typeface="Adobe Clean"/>
               </a:rPr>
-              <a:t>©2020 Adobe. All Rights Reserved. </a:t>
-            </a:r>
-            <a:r>
-              <a:rPr sz="500">
+              <a:t>© 2020 Adobe. All Rights Reserved.</a:t>
+            </a:r>
+            <a:r>
+              <a:rPr lang="ja-jp" sz="500">
                 <a:solidFill>
                   <a:srgbClr val="6C6C6C"/>
                 </a:solidFill>
@@ -11905,7 +11299,7 @@
               <a:t>Adobe</a:t>
             </a:r>
             <a:r>
-              <a:rPr sz="500" spc="5">
+              <a:rPr lang="ja-jp" sz="500" spc="5">
                 <a:solidFill>
                   <a:srgbClr val="6C6C6C"/>
                 </a:solidFill>
@@ -11915,14 +11309,14 @@
               <a:t> </a:t>
             </a:r>
             <a:r>
-              <a:rPr sz="500" spc="-5">
+              <a:rPr lang="ja-jp" sz="500" spc="-5">
                 <a:solidFill>
                   <a:srgbClr val="6C6C6C"/>
                 </a:solidFill>
                 <a:latin typeface="Adobe Clean"/>
                 <a:cs typeface="Adobe Clean"/>
               </a:rPr>
-              <a:t>Confidential.</a:t>
+              <a:t>기밀.</a:t>
             </a:r>
             <a:endParaRPr sz="500">
               <a:latin typeface="Adobe Clean"/>
@@ -11953,17 +11347,17 @@
               </a:spcBef>
             </a:pPr>
             <a:r>
-              <a:rPr sz="800" spc="-5">
+              <a:rPr lang="ja-jp" sz="800" spc="-5">
                 <a:solidFill>
                   <a:srgbClr val="6D6D6D"/>
                 </a:solidFill>
                 <a:latin typeface="Adobe Clean"/>
                 <a:cs typeface="Adobe Clean"/>
               </a:rPr>
-              <a:t>©2020 Adobe. All Rights Reserved. Adobe</a:t>
-            </a:r>
-            <a:r>
-              <a:rPr sz="800" spc="75">
+              <a:t>© 2020 Adobe. All Rights Reserved.Adobe</a:t>
+            </a:r>
+            <a:r>
+              <a:rPr lang="ja-jp" sz="800" spc="75">
                 <a:solidFill>
                   <a:srgbClr val="6D6D6D"/>
                 </a:solidFill>
@@ -11973,14 +11367,14 @@
               <a:t> </a:t>
             </a:r>
             <a:r>
-              <a:rPr sz="800" spc="-5">
+              <a:rPr lang="ja-jp" sz="800" spc="-5">
                 <a:solidFill>
                   <a:srgbClr val="6D6D6D"/>
                 </a:solidFill>
                 <a:latin typeface="Adobe Clean"/>
                 <a:cs typeface="Adobe Clean"/>
               </a:rPr>
-              <a:t>Confidential.</a:t>
+              <a:t>기밀.</a:t>
             </a:r>
             <a:endParaRPr sz="800">
               <a:latin typeface="Adobe Clean"/>
@@ -12069,14 +11463,14 @@
               </a:spcBef>
             </a:pPr>
             <a:r>
-              <a:rPr lang="en-US" sz="1400" b="1" spc="-15">
+              <a:rPr lang="ja-jp" sz="1400" b="1" spc="-15">
                 <a:solidFill>
                   <a:srgbClr val="020302"/>
                 </a:solidFill>
                 <a:latin typeface="Adobe Clean"/>
                 <a:cs typeface="Adobe Clean"/>
               </a:rPr>
-              <a:t>Resources</a:t>
+              <a:t>리소스</a:t>
             </a:r>
             <a:endParaRPr sz="1400">
               <a:latin typeface="Adobe Clean"/>
@@ -12115,7 +11509,7 @@
               </a:spcBef>
             </a:pPr>
             <a:r>
-              <a:rPr sz="800" spc="-15">
+              <a:rPr lang="ja-jp" sz="800" spc="-15">
                 <a:solidFill>
                   <a:srgbClr val="777879"/>
                 </a:solidFill>
@@ -12136,7 +11530,7 @@
               </a:lnSpc>
             </a:pPr>
             <a:r>
-              <a:rPr sz="800" spc="-15">
+              <a:rPr lang="ja-jp" sz="800" spc="-15">
                 <a:solidFill>
                   <a:srgbClr val="777879"/>
                 </a:solidFill>
@@ -12146,7 +11540,7 @@
               <a:t>345 Park</a:t>
             </a:r>
             <a:r>
-              <a:rPr sz="800" spc="-100">
+              <a:rPr lang="ja-jp" sz="800" spc="-100">
                 <a:solidFill>
                   <a:srgbClr val="777879"/>
                 </a:solidFill>
@@ -12156,7 +11550,7 @@
               <a:t> </a:t>
             </a:r>
             <a:r>
-              <a:rPr sz="800" spc="-15">
+              <a:rPr lang="ja-jp" sz="800" spc="-15">
                 <a:solidFill>
                   <a:srgbClr val="777879"/>
                 </a:solidFill>
@@ -12177,7 +11571,7 @@
               </a:lnSpc>
             </a:pPr>
             <a:r>
-              <a:rPr sz="800" spc="-10">
+              <a:rPr lang="ja-jp" sz="800" spc="-10">
                 <a:solidFill>
                   <a:srgbClr val="777879"/>
                 </a:solidFill>
@@ -12187,7 +11581,7 @@
               <a:t>San </a:t>
             </a:r>
             <a:r>
-              <a:rPr sz="800" spc="-15">
+              <a:rPr lang="ja-jp" sz="800" spc="-15">
                 <a:solidFill>
                   <a:srgbClr val="777879"/>
                 </a:solidFill>
@@ -12197,7 +11591,7 @@
               <a:t>Jose,</a:t>
             </a:r>
             <a:r>
-              <a:rPr sz="800" spc="-140">
+              <a:rPr lang="ja-jp" sz="800" spc="-140">
                 <a:solidFill>
                   <a:srgbClr val="777879"/>
                 </a:solidFill>
@@ -12207,7 +11601,7 @@
               <a:t> </a:t>
             </a:r>
             <a:r>
-              <a:rPr sz="800" spc="-20">
+              <a:rPr lang="ja-jp" sz="800" spc="-20">
                 <a:solidFill>
                   <a:srgbClr val="777879"/>
                 </a:solidFill>
@@ -12231,7 +11625,7 @@
               </a:spcBef>
             </a:pPr>
             <a:r>
-              <a:rPr sz="800" spc="-10">
+              <a:rPr lang="ja-jp" sz="800" spc="-10">
                 <a:solidFill>
                   <a:srgbClr val="777879"/>
                 </a:solidFill>
@@ -12255,7 +11649,7 @@
               </a:spcBef>
             </a:pPr>
             <a:r>
-              <a:rPr sz="800" u="sng" spc="-25">
+              <a:rPr lang="ja-jp" sz="800" u="sng" spc="-25">
                 <a:solidFill>
                   <a:srgbClr val="5F5F5F"/>
                 </a:solidFill>
@@ -12268,7 +11662,7 @@
                 <a:cs typeface="Adobe Clean"/>
                 <a:hlinkClick r:id="rId4"/>
               </a:rPr>
-              <a:t>www.adobe.com</a:t>
+              <a:t>www.adobe.com/kr/</a:t>
             </a:r>
             <a:endParaRPr sz="800">
               <a:latin typeface="Adobe Clean"/>
@@ -12448,17 +11842,17 @@
               </a:spcBef>
             </a:pPr>
             <a:r>
-              <a:rPr sz="1100" i="1" spc="-10" dirty="0">
+              <a:rPr lang="ja-jp" sz="1100" i="1" spc="-10" dirty="0">
                 <a:solidFill>
                   <a:srgbClr val="777879"/>
                 </a:solidFill>
                 <a:latin typeface="AdobeClean-LightIt"/>
                 <a:cs typeface="AdobeClean-LightIt"/>
               </a:rPr>
-              <a:t>To</a:t>
-            </a:r>
-            <a:r>
-              <a:rPr sz="1100" i="1" spc="-50" dirty="0">
+              <a:t>Adobe</a:t>
+            </a:r>
+            <a:r>
+              <a:rPr lang="ja-jp" sz="1100" i="1" spc="-50" dirty="0">
                 <a:solidFill>
                   <a:srgbClr val="777879"/>
                 </a:solidFill>
@@ -12468,17 +11862,17 @@
               <a:t> </a:t>
             </a:r>
             <a:r>
-              <a:rPr sz="1100" i="1" spc="-15" dirty="0">
+              <a:rPr lang="ja-jp" sz="1100" i="1" spc="-15" dirty="0">
                 <a:solidFill>
                   <a:srgbClr val="777879"/>
                 </a:solidFill>
                 <a:latin typeface="AdobeClean-LightIt"/>
                 <a:cs typeface="AdobeClean-LightIt"/>
               </a:rPr>
-              <a:t>learn</a:t>
-            </a:r>
-            <a:r>
-              <a:rPr sz="1100" i="1" spc="-40" dirty="0">
+              <a:t>지원</a:t>
+            </a:r>
+            <a:r>
+              <a:rPr lang="ja-jp" sz="1100" i="1" spc="-40" dirty="0">
                 <a:solidFill>
                   <a:srgbClr val="777879"/>
                 </a:solidFill>
@@ -12488,17 +11882,17 @@
               <a:t> </a:t>
             </a:r>
             <a:r>
-              <a:rPr sz="1100" i="1" spc="-15" dirty="0">
+              <a:rPr lang="ja-jp" sz="1100" i="1" spc="-15" dirty="0">
                 <a:solidFill>
                   <a:srgbClr val="777879"/>
                 </a:solidFill>
                 <a:latin typeface="AdobeClean-LightIt"/>
                 <a:cs typeface="AdobeClean-LightIt"/>
               </a:rPr>
-              <a:t>more</a:t>
-            </a:r>
-            <a:r>
-              <a:rPr sz="1100" i="1" spc="-45" dirty="0">
+              <a:t>서비스</a:t>
+            </a:r>
+            <a:r>
+              <a:rPr lang="ja-jp" sz="1100" i="1" spc="-45" dirty="0">
                 <a:solidFill>
                   <a:srgbClr val="777879"/>
                 </a:solidFill>
@@ -12508,17 +11902,17 @@
               <a:t> </a:t>
             </a:r>
             <a:r>
-              <a:rPr sz="1100" i="1" spc="-15" dirty="0">
+              <a:rPr lang="ja-jp" sz="1100" i="1" spc="-15" dirty="0">
                 <a:solidFill>
                   <a:srgbClr val="777879"/>
                 </a:solidFill>
                 <a:latin typeface="AdobeClean-LightIt"/>
                 <a:cs typeface="AdobeClean-LightIt"/>
               </a:rPr>
-              <a:t>about</a:t>
-            </a:r>
-            <a:r>
-              <a:rPr sz="1100" i="1" spc="-45" dirty="0">
+              <a:t>제공</a:t>
+            </a:r>
+            <a:r>
+              <a:rPr lang="ja-jp" sz="1100" i="1" spc="-45" dirty="0">
                 <a:solidFill>
                   <a:srgbClr val="777879"/>
                 </a:solidFill>
@@ -12528,17 +11922,17 @@
               <a:t> </a:t>
             </a:r>
             <a:r>
-              <a:rPr sz="1100" i="1" spc="-15" dirty="0">
+              <a:rPr lang="ja-jp" sz="1100" i="1" spc="-15" dirty="0">
                 <a:solidFill>
                   <a:srgbClr val="777879"/>
                 </a:solidFill>
                 <a:latin typeface="AdobeClean-LightIt"/>
                 <a:cs typeface="AdobeClean-LightIt"/>
               </a:rPr>
-              <a:t>Adobe</a:t>
-            </a:r>
-            <a:r>
-              <a:rPr sz="1100" i="1" spc="-50" dirty="0">
+              <a:t>사항</a:t>
+            </a:r>
+            <a:r>
+              <a:rPr lang="ja-jp" sz="1100" i="1" spc="-50" dirty="0">
                 <a:solidFill>
                   <a:srgbClr val="777879"/>
                 </a:solidFill>
@@ -12548,27 +11942,17 @@
               <a:t> </a:t>
             </a:r>
             <a:r>
-              <a:rPr sz="1100" i="1" spc="-15" dirty="0">
+              <a:rPr lang="ja-jp" sz="1100" i="1" spc="-15" dirty="0">
                 <a:solidFill>
                   <a:srgbClr val="777879"/>
                 </a:solidFill>
                 <a:latin typeface="AdobeClean-LightIt"/>
                 <a:cs typeface="AdobeClean-LightIt"/>
               </a:rPr>
-              <a:t>Support</a:t>
-            </a:r>
-            <a:r>
-              <a:rPr lang="en-US" sz="1100" i="1" spc="-15" dirty="0">
-                <a:solidFill>
-                  <a:srgbClr val="777879"/>
-                </a:solidFill>
-                <a:latin typeface="AdobeClean-LightIt"/>
-                <a:cs typeface="AdobeClean-LightIt"/>
-              </a:rPr>
-              <a:t> Offerings</a:t>
-            </a:r>
-            <a:r>
-              <a:rPr sz="1100" i="1" spc="-75" dirty="0">
+              <a:t>및 적합한</a:t>
+            </a:r>
+            <a:r>
+              <a:rPr lang="ja-jp" sz="1100" i="1" spc="-75" dirty="0">
                 <a:solidFill>
                   <a:srgbClr val="777879"/>
                 </a:solidFill>
@@ -12578,17 +11962,17 @@
               <a:t> </a:t>
             </a:r>
             <a:r>
-              <a:rPr sz="1100" i="1" spc="-15" dirty="0">
+              <a:rPr lang="ja-jp" sz="1100" i="1" spc="-15" dirty="0">
                 <a:solidFill>
                   <a:srgbClr val="777879"/>
                 </a:solidFill>
                 <a:latin typeface="AdobeClean-LightIt"/>
                 <a:cs typeface="AdobeClean-LightIt"/>
               </a:rPr>
-              <a:t>and</a:t>
-            </a:r>
-            <a:r>
-              <a:rPr sz="1100" i="1" spc="-50" dirty="0">
+              <a:t>지원</a:t>
+            </a:r>
+            <a:r>
+              <a:rPr lang="ja-jp" sz="1100" i="1" spc="-50" dirty="0">
                 <a:solidFill>
                   <a:srgbClr val="777879"/>
                 </a:solidFill>
@@ -12598,17 +11982,17 @@
               <a:t> </a:t>
             </a:r>
             <a:r>
-              <a:rPr sz="1100" i="1" spc="-15" dirty="0">
+              <a:rPr lang="ja-jp" sz="1100" i="1" spc="-15" dirty="0">
                 <a:solidFill>
                   <a:srgbClr val="777879"/>
                 </a:solidFill>
                 <a:latin typeface="AdobeClean-LightIt"/>
                 <a:cs typeface="AdobeClean-LightIt"/>
               </a:rPr>
-              <a:t>the</a:t>
-            </a:r>
-            <a:r>
-              <a:rPr sz="1100" i="1" spc="-55" dirty="0">
+              <a:t>수준에</a:t>
+            </a:r>
+            <a:r>
+              <a:rPr lang="ja-jp" sz="1100" i="1" spc="-55" dirty="0">
                 <a:solidFill>
                   <a:srgbClr val="777879"/>
                 </a:solidFill>
@@ -12618,17 +12002,17 @@
               <a:t> </a:t>
             </a:r>
             <a:r>
-              <a:rPr sz="1100" i="1" spc="-15" dirty="0">
+              <a:rPr lang="ja-jp" sz="1100" i="1" spc="-15" dirty="0">
                 <a:solidFill>
                   <a:srgbClr val="777879"/>
                 </a:solidFill>
                 <a:latin typeface="AdobeClean-LightIt"/>
                 <a:cs typeface="AdobeClean-LightIt"/>
               </a:rPr>
-              <a:t>right</a:t>
-            </a:r>
-            <a:r>
-              <a:rPr sz="1100" i="1" spc="-95" dirty="0">
+              <a:t>대해</a:t>
+            </a:r>
+            <a:r>
+              <a:rPr lang="ja-jp" sz="1100" i="1" spc="-95" dirty="0">
                 <a:solidFill>
                   <a:srgbClr val="777879"/>
                 </a:solidFill>
@@ -12638,17 +12022,17 @@
               <a:t> </a:t>
             </a:r>
             <a:r>
-              <a:rPr sz="1100" i="1" spc="-15" dirty="0">
+              <a:rPr lang="ja-jp" sz="1100" i="1" spc="-15" dirty="0">
                 <a:solidFill>
                   <a:srgbClr val="777879"/>
                 </a:solidFill>
                 <a:latin typeface="AdobeClean-LightIt"/>
                 <a:cs typeface="AdobeClean-LightIt"/>
               </a:rPr>
-              <a:t>level</a:t>
-            </a:r>
-            <a:r>
-              <a:rPr sz="1100" i="1" spc="-55" dirty="0">
+              <a:t>자세히</a:t>
+            </a:r>
+            <a:r>
+              <a:rPr lang="ja-jp" sz="1100" i="1" spc="-55" dirty="0">
                 <a:solidFill>
                   <a:srgbClr val="777879"/>
                 </a:solidFill>
@@ -12658,17 +12042,17 @@
               <a:t> </a:t>
             </a:r>
             <a:r>
-              <a:rPr sz="1100" i="1" spc="-15" dirty="0">
+              <a:rPr lang="ja-jp" sz="1100" i="1" spc="-15" dirty="0">
                 <a:solidFill>
                   <a:srgbClr val="777879"/>
                 </a:solidFill>
                 <a:latin typeface="AdobeClean-LightIt"/>
                 <a:cs typeface="AdobeClean-LightIt"/>
               </a:rPr>
-              <a:t>for</a:t>
-            </a:r>
-            <a:r>
-              <a:rPr sz="1100" i="1" spc="-85" dirty="0">
+              <a:t>알아보려면</a:t>
+            </a:r>
+            <a:r>
+              <a:rPr lang="ja-jp" sz="1100" i="1" spc="-85" dirty="0">
                 <a:solidFill>
                   <a:srgbClr val="777879"/>
                 </a:solidFill>
@@ -12678,17 +12062,17 @@
               <a:t> </a:t>
             </a:r>
             <a:r>
-              <a:rPr sz="1100" i="1" spc="-15" dirty="0">
+              <a:rPr lang="ja-jp" sz="1100" i="1" spc="-15" dirty="0">
                 <a:solidFill>
                   <a:srgbClr val="777879"/>
                 </a:solidFill>
                 <a:latin typeface="AdobeClean-LightIt"/>
                 <a:cs typeface="AdobeClean-LightIt"/>
               </a:rPr>
-              <a:t>you,</a:t>
-            </a:r>
-            <a:r>
-              <a:rPr sz="1100" i="1" spc="-65" dirty="0">
+              <a:t>지정</a:t>
+            </a:r>
+            <a:r>
+              <a:rPr lang="ja-jp" sz="1100" i="1" spc="-65" dirty="0">
                 <a:solidFill>
                   <a:srgbClr val="777879"/>
                 </a:solidFill>
@@ -12698,17 +12082,17 @@
               <a:t> </a:t>
             </a:r>
             <a:r>
-              <a:rPr sz="1100" i="1" spc="-15" dirty="0">
+              <a:rPr lang="ja-jp" sz="1100" i="1" spc="-15" dirty="0">
                 <a:solidFill>
                   <a:srgbClr val="777879"/>
                 </a:solidFill>
                 <a:latin typeface="AdobeClean-LightIt"/>
                 <a:cs typeface="AdobeClean-LightIt"/>
               </a:rPr>
-              <a:t>contact</a:t>
-            </a:r>
-            <a:r>
-              <a:rPr sz="1100" i="1" spc="-85" dirty="0">
+              <a:t>계정</a:t>
+            </a:r>
+            <a:r>
+              <a:rPr lang="ja-jp" sz="1100" i="1" spc="-85" dirty="0">
                 <a:solidFill>
                   <a:srgbClr val="777879"/>
                 </a:solidFill>
@@ -12718,17 +12102,17 @@
               <a:t> </a:t>
             </a:r>
             <a:r>
-              <a:rPr sz="1100" i="1" spc="-15" dirty="0">
+              <a:rPr lang="ja-jp" sz="1100" i="1" spc="-15" dirty="0">
                 <a:solidFill>
                   <a:srgbClr val="777879"/>
                 </a:solidFill>
                 <a:latin typeface="AdobeClean-LightIt"/>
                 <a:cs typeface="AdobeClean-LightIt"/>
               </a:rPr>
-              <a:t>your</a:t>
-            </a:r>
-            <a:r>
-              <a:rPr sz="1100" i="1" spc="-70" dirty="0">
+              <a:t>관리자(NAM)</a:t>
+            </a:r>
+            <a:r>
+              <a:rPr lang="ja-jp" sz="1100" i="1" spc="-55" dirty="0">
                 <a:solidFill>
                   <a:srgbClr val="777879"/>
                 </a:solidFill>
@@ -12738,17 +12122,17 @@
               <a:t> </a:t>
             </a:r>
             <a:r>
-              <a:rPr sz="1100" i="1" spc="-15" dirty="0">
+              <a:rPr lang="ja-jp" sz="1100" i="1" spc="-25" dirty="0">
                 <a:solidFill>
                   <a:srgbClr val="777879"/>
                 </a:solidFill>
                 <a:latin typeface="AdobeClean-LightIt"/>
                 <a:cs typeface="AdobeClean-LightIt"/>
               </a:rPr>
-              <a:t>Named</a:t>
-            </a:r>
-            <a:r>
-              <a:rPr sz="1100" i="1" spc="-55" dirty="0">
+              <a:t>또는</a:t>
+            </a:r>
+            <a:r>
+              <a:rPr lang="ja-jp" sz="1100" i="1" spc="-120" dirty="0">
                 <a:solidFill>
                   <a:srgbClr val="777879"/>
                 </a:solidFill>
@@ -12758,117 +12142,57 @@
               <a:t> </a:t>
             </a:r>
             <a:r>
-              <a:rPr sz="1100" i="1" spc="-25" dirty="0">
+              <a:rPr lang="ja-jp" sz="1100" i="1" spc="-20" dirty="0">
                 <a:solidFill>
                   <a:srgbClr val="777879"/>
                 </a:solidFill>
                 <a:latin typeface="AdobeClean-LightIt"/>
                 <a:cs typeface="AdobeClean-LightIt"/>
               </a:rPr>
-              <a:t>Account</a:t>
-            </a:r>
-            <a:r>
-              <a:rPr sz="1100" i="1" spc="-120" dirty="0">
+              <a:t>고객 </a:t>
+            </a:r>
+            <a:r>
+              <a:rPr lang="ja-jp" sz="1100" i="1" spc="-15" dirty="0">
                 <a:solidFill>
                   <a:srgbClr val="777879"/>
                 </a:solidFill>
                 <a:latin typeface="AdobeClean-LightIt"/>
                 <a:cs typeface="AdobeClean-LightIt"/>
               </a:rPr>
-              <a:t> </a:t>
-            </a:r>
-            <a:r>
-              <a:rPr sz="1100" i="1" spc="-20" dirty="0">
+              <a:t>성공 </a:t>
+            </a:r>
+            <a:r>
+              <a:rPr lang="ja-jp" sz="1100" i="1" spc="-10" dirty="0">
                 <a:solidFill>
                   <a:srgbClr val="777879"/>
                 </a:solidFill>
                 <a:latin typeface="AdobeClean-LightIt"/>
                 <a:cs typeface="AdobeClean-LightIt"/>
               </a:rPr>
-              <a:t>Manager </a:t>
-            </a:r>
-            <a:r>
-              <a:rPr sz="1100" i="1" spc="-15" dirty="0">
+              <a:t>관리자</a:t>
+            </a:r>
+            <a:r>
+              <a:rPr lang="ja-jp" sz="1100" i="1" spc="-15" dirty="0">
                 <a:solidFill>
                   <a:srgbClr val="777879"/>
                 </a:solidFill>
                 <a:latin typeface="AdobeClean-LightIt"/>
                 <a:cs typeface="AdobeClean-LightIt"/>
               </a:rPr>
-              <a:t>(NAM) </a:t>
-            </a:r>
-            <a:r>
-              <a:rPr sz="1100" i="1" spc="-10" dirty="0">
+              <a:t>(CSM)에게 </a:t>
+            </a:r>
+            <a:r>
+              <a:rPr lang="ja-jp" sz="1100" i="1" spc="-20" dirty="0">
                 <a:solidFill>
                   <a:srgbClr val="777879"/>
                 </a:solidFill>
                 <a:latin typeface="AdobeClean-LightIt"/>
                 <a:cs typeface="AdobeClean-LightIt"/>
               </a:rPr>
-              <a:t>or </a:t>
-            </a:r>
-            <a:r>
-              <a:rPr sz="1100" i="1" spc="-15" dirty="0">
-                <a:solidFill>
-                  <a:srgbClr val="777879"/>
-                </a:solidFill>
-                <a:latin typeface="AdobeClean-LightIt"/>
-                <a:cs typeface="AdobeClean-LightIt"/>
-              </a:rPr>
-              <a:t>Customer </a:t>
-            </a:r>
-            <a:r>
-              <a:rPr sz="1100" i="1" spc="-20" dirty="0">
-                <a:solidFill>
-                  <a:srgbClr val="777879"/>
-                </a:solidFill>
-                <a:latin typeface="AdobeClean-LightIt"/>
-                <a:cs typeface="AdobeClean-LightIt"/>
-              </a:rPr>
-              <a:t>Success</a:t>
-            </a:r>
-            <a:r>
-              <a:rPr sz="1100" i="1" spc="-180" dirty="0">
-                <a:solidFill>
-                  <a:srgbClr val="777879"/>
-                </a:solidFill>
-                <a:latin typeface="AdobeClean-LightIt"/>
-                <a:cs typeface="AdobeClean-LightIt"/>
-              </a:rPr>
-              <a:t> </a:t>
-            </a:r>
-            <a:r>
-              <a:rPr sz="1100" i="1" spc="-15" dirty="0">
-                <a:solidFill>
-                  <a:srgbClr val="777879"/>
-                </a:solidFill>
-                <a:latin typeface="AdobeClean-LightIt"/>
-                <a:cs typeface="AdobeClean-LightIt"/>
-              </a:rPr>
-              <a:t>Manager</a:t>
-            </a:r>
-            <a:r>
-              <a:rPr lang="en-US" sz="1100" i="1" spc="-15" dirty="0">
-                <a:solidFill>
-                  <a:srgbClr val="777879"/>
-                </a:solidFill>
-                <a:latin typeface="AdobeClean-LightIt"/>
-                <a:cs typeface="AdobeClean-LightIt"/>
-              </a:rPr>
-              <a:t> </a:t>
-            </a:r>
-            <a:r>
-              <a:rPr sz="1100" i="1" spc="-15" dirty="0">
-                <a:solidFill>
-                  <a:srgbClr val="777879"/>
-                </a:solidFill>
-                <a:latin typeface="AdobeClean-LightIt"/>
-                <a:cs typeface="AdobeClean-LightIt"/>
-              </a:rPr>
-              <a:t>(CSM)</a:t>
-            </a:r>
-            <a:r>
-              <a:rPr lang="en-US" sz="1100" i="1" spc="-15" dirty="0">
+              <a:t>문의하십시오</a:t>
+            </a:r>
+            <a:r>
+              <a:rPr lang="ja-jp" sz="1100" i="1" spc="-15" dirty="0">
                 <a:solidFill>
                   <a:srgbClr val="777879"/>
                 </a:solidFill>
@@ -12892,37 +12216,17 @@
               </a:spcBef>
             </a:pPr>
             <a:r>
-              <a:rPr sz="800" spc="-5" dirty="0">
+              <a:rPr lang="ja-jp" sz="800" spc="-5" dirty="0">
                 <a:solidFill>
                   <a:srgbClr val="6D6D6D"/>
                 </a:solidFill>
                 <a:latin typeface="Adobe Clean"/>
                 <a:cs typeface="Adobe Clean"/>
               </a:rPr>
-              <a:t>©202</a:t>
-            </a:r>
-            <a:r>
-              <a:rPr lang="en-US" sz="800" spc="-5" dirty="0">
-                <a:solidFill>
-                  <a:srgbClr val="6D6D6D"/>
-                </a:solidFill>
-                <a:latin typeface="Adobe Clean"/>
-                <a:cs typeface="Adobe Clean"/>
-              </a:rPr>
-              <a:t>2</a:t>
-            </a:r>
-            <a:r>
-              <a:rPr sz="800" spc="-5" dirty="0">
-                <a:solidFill>
-                  <a:srgbClr val="6D6D6D"/>
-                </a:solidFill>
-                <a:latin typeface="Adobe Clean"/>
-                <a:cs typeface="Adobe Clean"/>
-              </a:rPr>
-              <a:t> Adobe. All Rights Reserved. Adobe</a:t>
-            </a:r>
-            <a:r>
-              <a:rPr sz="800" spc="75" dirty="0">
+              <a:t>©2022 Adobe.All Rights Reserved.Adobe</a:t>
+            </a:r>
+            <a:r>
+              <a:rPr lang="ja-jp" sz="800" spc="75" dirty="0">
                 <a:solidFill>
                   <a:srgbClr val="6D6D6D"/>
                 </a:solidFill>
@@ -12932,14 +12236,14 @@
               <a:t> </a:t>
             </a:r>
             <a:r>
-              <a:rPr sz="800" spc="-5" dirty="0">
+              <a:rPr lang="ja-jp" sz="800" spc="-5" dirty="0">
                 <a:solidFill>
                   <a:srgbClr val="6D6D6D"/>
                 </a:solidFill>
                 <a:latin typeface="Adobe Clean"/>
                 <a:cs typeface="Adobe Clean"/>
               </a:rPr>
-              <a:t>Confidential.</a:t>
+              <a:t>기밀.</a:t>
             </a:r>
             <a:endParaRPr sz="800" dirty="0">
               <a:latin typeface="Adobe Clean"/>
@@ -12981,14 +12285,14 @@
               </a:spcBef>
             </a:pPr>
             <a:r>
-              <a:rPr lang="en-US" sz="1400" b="1" spc="-15" dirty="0">
+              <a:rPr lang="ja-jp" sz="1400" b="1" spc="-15" dirty="0">
                 <a:solidFill>
                   <a:srgbClr val="020302"/>
                 </a:solidFill>
                 <a:latin typeface="Adobe Clean"/>
                 <a:cs typeface="Adobe Clean"/>
               </a:rPr>
-              <a:t>Regional scope of Adobe Support, Local Hours Of Operation And Language Support</a:t>
+              <a:t>Adobe 지원의 지역적 범위, 로컬 운영 시간 및 언어 지원</a:t>
             </a:r>
             <a:endParaRPr lang="en-US" sz="1400" spc="-15" dirty="0">
               <a:ea typeface="+mn-lt"/>
@@ -13002,13 +12306,13 @@
               </a:spcBef>
             </a:pPr>
             <a:r>
-              <a:rPr lang="en-US" sz="1000" spc="-15" dirty="0">
+              <a:rPr lang="ja-jp" sz="1000" spc="-15" dirty="0">
                 <a:solidFill>
                   <a:srgbClr val="1F1F1F"/>
                 </a:solidFill>
                 <a:latin typeface="AdobeClean-Light"/>
               </a:rPr>
-              <a:t>Adobe’s local business hours align to the customer’s billing region.</a:t>
+              <a:t>Adobe의 현지 업무 시간은 고객의 과금 지역에 맞춰 조정됩니다.</a:t>
             </a:r>
           </a:p>
         </p:txBody>
@@ -13035,7 +12339,7 @@
         </p:nvGraphicFramePr>
         <p:xfrm>
           <a:off x="171128" y="5907213"/>
-          <a:ext cx="7391400" cy="1224280"/>
+          <a:ext cx="7391400" cy="1168400"/>
         </p:xfrm>
         <a:graphic>
           <a:graphicData uri="http://schemas.openxmlformats.org/drawingml/2006/table">
@@ -13081,16 +12385,16 @@
                     <a:p>
                       <a:pPr algn="ctr"/>
                       <a:r>
-                        <a:rPr lang="en-US" sz="1100" dirty="0">
+                        <a:rPr lang="ja-jp" sz="1100" dirty="0">
                           <a:solidFill>
                             <a:schemeClr val="tx1"/>
                           </a:solidFill>
                           <a:latin typeface="Adobe Clean" panose="020B0503020404020204" pitchFamily="34" charset="0"/>
                         </a:rPr>
-                        <a:t>Americas </a:t>
+                        <a:t>미주 </a:t>
                       </a:r>
                       <a:r>
-                        <a:rPr lang="en-US" sz="1100" baseline="30000" dirty="0">
+                        <a:rPr lang="ja-jp" sz="1100" baseline="30000" dirty="0">
                           <a:solidFill>
                             <a:schemeClr val="tx1"/>
                           </a:solidFill>
@@ -13155,13 +12459,13 @@
                     <a:p>
                       <a:pPr algn="ctr"/>
                       <a:r>
-                        <a:rPr lang="en-US" sz="1100" dirty="0">
+                        <a:rPr lang="ja-jp" sz="1100" dirty="0">
                           <a:solidFill>
                             <a:schemeClr val="tx1"/>
                           </a:solidFill>
                           <a:latin typeface="Adobe Clean" panose="020B0503020404020204" pitchFamily="34" charset="0"/>
                         </a:rPr>
-                        <a:t>Europe, Middle East &amp; Africa</a:t>
+                        <a:t>유럽, 중동 및 아프리카</a:t>
                       </a:r>
                     </a:p>
                   </a:txBody>
@@ -13220,13 +12524,13 @@
                     <a:p>
                       <a:pPr algn="ctr"/>
                       <a:r>
-                        <a:rPr lang="en-US" sz="1100" dirty="0">
+                        <a:rPr lang="ja-jp" sz="1100" dirty="0">
                           <a:solidFill>
                             <a:schemeClr val="tx1"/>
                           </a:solidFill>
                           <a:latin typeface="Adobe Clean" panose="020B0503020404020204" pitchFamily="34" charset="0"/>
                         </a:rPr>
-                        <a:t>Asia Pacific</a:t>
+                        <a:t>아시아 태평양</a:t>
                       </a:r>
                     </a:p>
                   </a:txBody>
@@ -13285,13 +12589,13 @@
                     <a:p>
                       <a:pPr algn="ctr"/>
                       <a:r>
-                        <a:rPr lang="en-US" sz="1100" dirty="0">
+                        <a:rPr lang="ja-jp" sz="1100" dirty="0">
                           <a:solidFill>
                             <a:schemeClr val="tx1"/>
                           </a:solidFill>
                           <a:latin typeface="Adobe Clean" panose="020B0503020404020204" pitchFamily="34" charset="0"/>
                         </a:rPr>
-                        <a:t>Japan </a:t>
+                        <a:t>일본</a:t>
                       </a:r>
                     </a:p>
                   </a:txBody>
@@ -13357,7 +12661,7 @@
                     <a:p>
                       <a:pPr algn="ctr"/>
                       <a:r>
-                        <a:rPr lang="en-US" sz="1100" dirty="0">
+                        <a:rPr lang="ja-jp" sz="1100" dirty="0">
                           <a:solidFill>
                             <a:schemeClr val="tx1"/>
                           </a:solidFill>
@@ -13422,13 +12726,13 @@
                     <a:p>
                       <a:pPr algn="ctr"/>
                       <a:r>
-                        <a:rPr lang="en-US" sz="1100" dirty="0">
+                        <a:rPr lang="ja-jp" sz="1100" dirty="0">
                           <a:solidFill>
                             <a:schemeClr val="tx1"/>
                           </a:solidFill>
                           <a:latin typeface="Adobe Clean" panose="020B0503020404020204" pitchFamily="34" charset="0"/>
                         </a:rPr>
-                        <a:t>9 am – 5 pm</a:t>
+                        <a:t>오전 9시~오후 5시</a:t>
                       </a:r>
                     </a:p>
                   </a:txBody>
@@ -13487,13 +12791,13 @@
                     <a:p>
                       <a:pPr algn="ctr"/>
                       <a:r>
-                        <a:rPr lang="en-US" sz="1100" dirty="0">
+                        <a:rPr lang="ja-jp" sz="1100" dirty="0">
                           <a:solidFill>
                             <a:schemeClr val="tx1"/>
                           </a:solidFill>
                           <a:latin typeface="Adobe Clean" panose="020B0503020404020204" pitchFamily="34" charset="0"/>
                         </a:rPr>
-                        <a:t>9 am – 5 pm</a:t>
+                        <a:t>오전 9시~오후 5시</a:t>
                       </a:r>
                     </a:p>
                   </a:txBody>
@@ -13552,13 +12856,13 @@
                     <a:p>
                       <a:pPr algn="ctr"/>
                       <a:r>
-                        <a:rPr lang="en-US" sz="1100" dirty="0">
+                        <a:rPr lang="ja-jp" sz="1100" dirty="0">
                           <a:solidFill>
                             <a:schemeClr val="tx1"/>
                           </a:solidFill>
                           <a:latin typeface="Adobe Clean" panose="020B0503020404020204" pitchFamily="34" charset="0"/>
                         </a:rPr>
-                        <a:t>9 am – 5:30 pm</a:t>
+                        <a:t>오전 9시~오후 5시 30분</a:t>
                       </a:r>
                     </a:p>
                   </a:txBody>
@@ -13665,7 +12969,7 @@
                         <a:defRPr/>
                       </a:pPr>
                       <a:r>
-                        <a:rPr lang="en-US" sz="1100" baseline="30000" dirty="0">
+                        <a:rPr lang="ja-jp" sz="1100" baseline="30000" dirty="0">
                           <a:solidFill>
                             <a:schemeClr val="tx1"/>
                           </a:solidFill>
@@ -13674,13 +12978,13 @@
                         <a:t>1</a:t>
                       </a:r>
                       <a:r>
-                        <a:rPr lang="en-US" sz="1100" dirty="0">
+                        <a:rPr lang="ja-jp" sz="1100" dirty="0">
                           <a:solidFill>
                             <a:schemeClr val="tx1"/>
                           </a:solidFill>
                           <a:latin typeface="Adobe Clean" panose="020B0503020404020204" pitchFamily="34" charset="0"/>
                         </a:rPr>
-                        <a:t>Americas Language support available in English only.</a:t>
+                        <a:t>미주 언어 지원은 영어로만 제공됩니다.</a:t>
                       </a:r>
                     </a:p>
                   </a:txBody>
@@ -14036,7 +13340,7 @@
           </a:bodyPr>
           <a:lstStyle/>
           <a:p>
-            <a:pPr marL="139065" marR="5080" indent="-139065">
+            <a:pPr marL="15875" marR="5080" indent="-15875" algn="ctr">
               <a:lnSpc>
                 <a:spcPts val="1390"/>
               </a:lnSpc>
@@ -14045,126 +13349,45 @@
               </a:spcBef>
             </a:pPr>
             <a:r>
-              <a:rPr sz="1200" b="1" spc="-15">
+              <a:rPr lang="ja-jp" sz="1200" b="1" spc="-15">
                 <a:solidFill>
                   <a:srgbClr val="FFFFFF"/>
                 </a:solidFill>
                 <a:latin typeface="Adobe Clean"/>
                 <a:cs typeface="Adobe Clean"/>
               </a:rPr>
-              <a:t>U</a:t>
-            </a:r>
-            <a:r>
-              <a:rPr sz="1200" b="1" spc="-20">
+              <a:t>탁월한</a:t>
+            </a:r>
+            <a:r>
+              <a:rPr lang="ja-jp" sz="1200" b="1">
                 <a:solidFill>
                   <a:srgbClr val="FFFFFF"/>
                 </a:solidFill>
                 <a:latin typeface="Adobe Clean"/>
                 <a:cs typeface="Adobe Clean"/>
               </a:rPr>
-              <a:t>n</a:t>
-            </a:r>
-            <a:r>
-              <a:rPr sz="1200" b="1" spc="-25">
+              <a:t> </a:t>
+            </a:r>
+            <a:br>
+              <a:rPr lang="en-US" altLang="ja-JP" sz="1200" b="1" dirty="0">
                 <a:solidFill>
                   <a:srgbClr val="FFFFFF"/>
                 </a:solidFill>
                 <a:latin typeface="Adobe Clean"/>
                 <a:cs typeface="Adobe Clean"/>
               </a:rPr>
-              <a:t>p</a:t>
-            </a:r>
-            <a:r>
-              <a:rPr sz="1200" b="1" spc="-15">
+            </a:br>
+            <a:r>
+              <a:rPr lang="ja-jp" sz="1200" b="1" spc="-25">
                 <a:solidFill>
                   <a:srgbClr val="FFFFFF"/>
                 </a:solidFill>
                 <a:latin typeface="Adobe Clean"/>
                 <a:cs typeface="Adobe Clean"/>
               </a:rPr>
-              <a:t>a</a:t>
-            </a:r>
-            <a:r>
-              <a:rPr sz="1200" b="1" spc="-25">
-                <a:solidFill>
-                  <a:srgbClr val="FFFFFF"/>
-                </a:solidFill>
-                <a:latin typeface="Adobe Clean"/>
-                <a:cs typeface="Adobe Clean"/>
-              </a:rPr>
-              <a:t>r</a:t>
-            </a:r>
-            <a:r>
-              <a:rPr sz="1200" b="1" spc="-15">
-                <a:solidFill>
-                  <a:srgbClr val="FFFFFF"/>
-                </a:solidFill>
-                <a:latin typeface="Adobe Clean"/>
-                <a:cs typeface="Adobe Clean"/>
-              </a:rPr>
-              <a:t>a</a:t>
-            </a:r>
-            <a:r>
-              <a:rPr sz="1200" b="1" spc="-30">
-                <a:solidFill>
-                  <a:srgbClr val="FFFFFF"/>
-                </a:solidFill>
-                <a:latin typeface="Adobe Clean"/>
-                <a:cs typeface="Adobe Clean"/>
-              </a:rPr>
-              <a:t>ll</a:t>
-            </a:r>
-            <a:r>
-              <a:rPr sz="1200" b="1" spc="-25">
-                <a:solidFill>
-                  <a:srgbClr val="FFFFFF"/>
-                </a:solidFill>
-                <a:latin typeface="Adobe Clean"/>
-                <a:cs typeface="Adobe Clean"/>
-              </a:rPr>
-              <a:t>e</a:t>
-            </a:r>
-            <a:r>
-              <a:rPr sz="1200" b="1" spc="-30">
-                <a:solidFill>
-                  <a:srgbClr val="FFFFFF"/>
-                </a:solidFill>
-                <a:latin typeface="Adobe Clean"/>
-                <a:cs typeface="Adobe Clean"/>
-              </a:rPr>
-              <a:t>l</a:t>
-            </a:r>
-            <a:r>
-              <a:rPr sz="1200" b="1" spc="-25">
-                <a:solidFill>
-                  <a:srgbClr val="FFFFFF"/>
-                </a:solidFill>
-                <a:latin typeface="Adobe Clean"/>
-                <a:cs typeface="Adobe Clean"/>
-              </a:rPr>
-              <a:t>e</a:t>
-            </a:r>
-            <a:r>
-              <a:rPr sz="1200" b="1">
-                <a:solidFill>
-                  <a:srgbClr val="FFFFFF"/>
-                </a:solidFill>
-                <a:latin typeface="Adobe Clean"/>
-                <a:cs typeface="Adobe Clean"/>
-              </a:rPr>
-              <a:t>d  </a:t>
-            </a:r>
-            <a:r>
-              <a:rPr sz="1200" b="1" spc="-25">
-                <a:solidFill>
-                  <a:srgbClr val="FFFFFF"/>
-                </a:solidFill>
-                <a:latin typeface="Adobe Clean"/>
-                <a:cs typeface="Adobe Clean"/>
-              </a:rPr>
-              <a:t>Expertise</a:t>
-            </a:r>
-            <a:endParaRPr sz="1200">
+              <a:t>전문성</a:t>
+            </a:r>
+            <a:endParaRPr sz="1200" dirty="0">
               <a:latin typeface="Adobe Clean"/>
               <a:cs typeface="Adobe Clean"/>
             </a:endParaRPr>
@@ -14186,7 +13409,7 @@
         <p:spPr>
           <a:xfrm>
             <a:off x="4732495" y="8541244"/>
-            <a:ext cx="810895" cy="382797"/>
+            <a:ext cx="810895" cy="203261"/>
           </a:xfrm>
           <a:prstGeom prst="rect">
             <a:avLst/>
@@ -14198,7 +13421,7 @@
           </a:bodyPr>
           <a:lstStyle/>
           <a:p>
-            <a:pPr marL="139065" marR="5080" indent="-139065">
+            <a:pPr marL="139065" marR="5080" indent="-139065" algn="ctr">
               <a:lnSpc>
                 <a:spcPts val="1390"/>
               </a:lnSpc>
@@ -14207,14 +13430,14 @@
               </a:spcBef>
             </a:pPr>
             <a:r>
-              <a:rPr lang="en-US" sz="1200" b="1" spc="-15">
+              <a:rPr lang="ja-jp" sz="1200" b="1" spc="-15">
                 <a:solidFill>
                   <a:srgbClr val="FFFFFF"/>
                 </a:solidFill>
                 <a:latin typeface="Adobe Clean"/>
                 <a:cs typeface="Adobe Clean"/>
               </a:rPr>
-              <a:t>Accelerated Support</a:t>
+              <a:t>신속한 지원</a:t>
             </a:r>
             <a:endParaRPr sz="1200">
               <a:latin typeface="Adobe Clean"/>
@@ -14250,7 +13473,7 @@
           </a:bodyPr>
           <a:lstStyle/>
           <a:p>
-            <a:pPr marL="50800" marR="5080" indent="-51435">
+            <a:pPr marL="50800" marR="5080" indent="12700" algn="ctr">
               <a:lnSpc>
                 <a:spcPts val="1390"/>
               </a:lnSpc>
@@ -14259,106 +13482,36 @@
               </a:spcBef>
             </a:pPr>
             <a:r>
-              <a:rPr sz="1200" b="1" spc="-50">
+              <a:rPr lang="ja-jp" sz="1200" b="1" spc="-50">
                 <a:solidFill>
                   <a:srgbClr val="FFFFFF"/>
                 </a:solidFill>
                 <a:latin typeface="Adobe Clean"/>
                 <a:cs typeface="Adobe Clean"/>
               </a:rPr>
-              <a:t>S</a:t>
-            </a:r>
-            <a:r>
-              <a:rPr sz="1200" b="1" spc="-20">
+              <a:t>전략적</a:t>
+            </a:r>
+            <a:r>
+              <a:rPr lang="ja-jp" sz="1200" b="1">
                 <a:solidFill>
                   <a:srgbClr val="FFFFFF"/>
                 </a:solidFill>
                 <a:latin typeface="Adobe Clean"/>
                 <a:cs typeface="Adobe Clean"/>
               </a:rPr>
-              <a:t>t</a:t>
-            </a:r>
-            <a:r>
-              <a:rPr sz="1200" b="1" spc="-75">
+              <a:t> </a:t>
+            </a:r>
+            <a:r>
+              <a:rPr lang="ja-jp" sz="1200" b="1" spc="-45">
                 <a:solidFill>
                   <a:srgbClr val="FFFFFF"/>
                 </a:solidFill>
                 <a:latin typeface="Adobe Clean"/>
                 <a:cs typeface="Adobe Clean"/>
               </a:rPr>
-              <a:t>r</a:t>
-            </a:r>
-            <a:r>
-              <a:rPr sz="1200" b="1" spc="-90">
-                <a:solidFill>
-                  <a:srgbClr val="FFFFFF"/>
-                </a:solidFill>
-                <a:latin typeface="Adobe Clean"/>
-                <a:cs typeface="Adobe Clean"/>
-              </a:rPr>
-              <a:t>a</a:t>
-            </a:r>
-            <a:r>
-              <a:rPr sz="1200" b="1" spc="-55">
-                <a:solidFill>
-                  <a:srgbClr val="FFFFFF"/>
-                </a:solidFill>
-                <a:latin typeface="Adobe Clean"/>
-                <a:cs typeface="Adobe Clean"/>
-              </a:rPr>
-              <a:t>t</a:t>
-            </a:r>
-            <a:r>
-              <a:rPr sz="1200" b="1" spc="-100">
-                <a:solidFill>
-                  <a:srgbClr val="FFFFFF"/>
-                </a:solidFill>
-                <a:latin typeface="Adobe Clean"/>
-                <a:cs typeface="Adobe Clean"/>
-              </a:rPr>
-              <a:t>e</a:t>
-            </a:r>
-            <a:r>
-              <a:rPr sz="1200" b="1" spc="-80">
-                <a:solidFill>
-                  <a:srgbClr val="FFFFFF"/>
-                </a:solidFill>
-                <a:latin typeface="Adobe Clean"/>
-                <a:cs typeface="Adobe Clean"/>
-              </a:rPr>
-              <a:t>g</a:t>
-            </a:r>
-            <a:r>
-              <a:rPr sz="1200" b="1" spc="-35">
-                <a:solidFill>
-                  <a:srgbClr val="FFFFFF"/>
-                </a:solidFill>
-                <a:latin typeface="Adobe Clean"/>
-                <a:cs typeface="Adobe Clean"/>
-              </a:rPr>
-              <a:t>i</a:t>
-            </a:r>
-            <a:r>
-              <a:rPr sz="1200" b="1">
-                <a:solidFill>
-                  <a:srgbClr val="FFFFFF"/>
-                </a:solidFill>
-                <a:latin typeface="Adobe Clean"/>
-                <a:cs typeface="Adobe Clean"/>
-              </a:rPr>
-              <a:t>c  </a:t>
-            </a:r>
-            <a:r>
-              <a:rPr sz="1200" b="1" spc="-45">
-                <a:solidFill>
-                  <a:srgbClr val="FFFFFF"/>
-                </a:solidFill>
-                <a:latin typeface="Adobe Clean"/>
-                <a:cs typeface="Adobe Clean"/>
-              </a:rPr>
-              <a:t>Advice</a:t>
-            </a:r>
-            <a:endParaRPr sz="1200">
+              <a:t>조언</a:t>
+            </a:r>
+            <a:endParaRPr sz="1200" dirty="0">
               <a:latin typeface="Adobe Clean"/>
               <a:cs typeface="Adobe Clean"/>
             </a:endParaRPr>
@@ -14421,7 +13574,7 @@
                         <a:buNone/>
                       </a:pPr>
                       <a:r>
-                        <a:rPr lang="en-US" sz="1200" b="0" strike="noStrike" dirty="0">
+                        <a:rPr lang="ja-jp" sz="1200" b="0" strike="noStrike" dirty="0">
                           <a:solidFill>
                             <a:srgbClr val="5F5F5F"/>
                           </a:solidFill>
@@ -14430,7 +13583,7 @@
                           <a:cs typeface="+mn-cs"/>
                           <a:hlinkClick r:id="rId8"/>
                         </a:rPr>
-                        <a:t>Enterprise Learn &amp; Support</a:t>
+                        <a:t>Enterprise 학습 및 지원</a:t>
                       </a:r>
                       <a:endParaRPr lang="en-US"/>
                     </a:p>
@@ -14504,7 +13657,7 @@
                         <a:buNone/>
                       </a:pPr>
                       <a:r>
-                        <a:rPr lang="en-US" sz="1000" b="0" strike="noStrike" kern="1200" dirty="0">
+                        <a:rPr lang="ja-jp" sz="1000" b="0" strike="noStrike" kern="1200" dirty="0">
                           <a:solidFill>
                             <a:schemeClr val="tx1"/>
                           </a:solidFill>
@@ -14512,7 +13665,7 @@
                           <a:ea typeface="+mn-ea"/>
                           <a:cs typeface="+mn-cs"/>
                         </a:rPr>
-                        <a:t>Enterprise Learn &amp; Support is a place where Adobe customers can find self-help tutorials, product documentation, instructor-led training, community and support for select Adobe Creative Cloud and Document products.</a:t>
+                        <a:t>엔터프라이즈 학습 및 지원은 Adobe 고객이 Adobe Creative Cloud 및 Document Cloud 제품 선택에 대한 자가 진단 튜토리얼, 제품 설명서, 강의식 교육, 커뮤니티 및 기술 지원을 찾을 수 있는 공간입니다.</a:t>
                       </a:r>
                     </a:p>
                   </a:txBody>
@@ -14594,7 +13747,7 @@
                         <a:defRPr/>
                       </a:pPr>
                       <a:r>
-                        <a:rPr lang="en-US" sz="1200" strike="noStrike" dirty="0">
+                        <a:rPr lang="ja-jp" sz="1200" strike="noStrike" dirty="0">
                           <a:solidFill>
                             <a:srgbClr val="5F5F5F"/>
                           </a:solidFill>
@@ -14610,7 +13763,7 @@
                             </a:extLst>
                           </a:hlinkClick>
                         </a:rPr>
-                        <a:t>Adobe Support Community </a:t>
+                        <a:t>Adobe 지원 커뮤니티 </a:t>
                       </a:r>
                       <a:endParaRPr lang="en-US" sz="1200" strike="noStrike" dirty="0">
                         <a:solidFill>
@@ -14694,7 +13847,7 @@
                         <a:defRPr/>
                       </a:pPr>
                       <a:r>
-                        <a:rPr lang="en-US" sz="1000" strike="noStrike" kern="1200" dirty="0">
+                        <a:rPr lang="ja-jp" sz="1000" strike="noStrike" kern="1200" dirty="0">
                           <a:solidFill>
                             <a:schemeClr val="tx1"/>
                           </a:solidFill>
@@ -14702,7 +13855,7 @@
                           <a:ea typeface="+mn-ea"/>
                           <a:cs typeface="+mn-cs"/>
                         </a:rPr>
-                        <a:t>The Adobe Support Community is the place to ask questions, find answers, learn from experts and share your knowledge.</a:t>
+                        <a:t>Adobe 지원 커뮤니티는 질문을 묻고, 답변을 얻고, 전문가의 의견을 구하고, 지식을 공유할 수 있는 공간입니다.</a:t>
                       </a:r>
                       <a:endParaRPr lang="en-US" sz="1000" strike="noStrike" kern="1200" dirty="0">
                         <a:solidFill>
@@ -14795,7 +13948,7 @@
                         <a:defRPr/>
                       </a:pPr>
                       <a:r>
-                        <a:rPr lang="en-US" sz="1200" dirty="0">
+                        <a:rPr lang="ja-jp" sz="1200" dirty="0">
                           <a:solidFill>
                             <a:srgbClr val="5F5F5F"/>
                           </a:solidFill>
@@ -14811,7 +13964,7 @@
                             </a:extLst>
                           </a:hlinkClick>
                         </a:rPr>
-                        <a:t>Production Issues &amp; System Outages</a:t>
+                        <a:t>생산 문제 및 시스템 중단</a:t>
                       </a:r>
                       <a:endParaRPr lang="en-US" sz="1200" dirty="0">
                         <a:solidFill>
@@ -14895,7 +14048,7 @@
                         <a:defRPr/>
                       </a:pPr>
                       <a:r>
-                        <a:rPr lang="en-US" sz="1000" kern="1200" dirty="0">
+                        <a:rPr lang="ja-jp" sz="1000" kern="1200" dirty="0">
                           <a:solidFill>
                             <a:schemeClr val="tx1"/>
                           </a:solidFill>
@@ -14903,7 +14056,7 @@
                           <a:ea typeface="+mn-ea"/>
                           <a:cs typeface="+mn-cs"/>
                         </a:rPr>
-                        <a:t>Status.adobe.com conveys the health information of all Adobe products and services that are deployed in multi-tenant environments. Customers can choose their subscription preferences to get email notifications whenever Adobe creates, updates or resolves a product event. This can include scheduled maintenance or service issues of varying levels of severity. </a:t>
+                        <a:t>Status.adobe.com은 다중 테넌트 환경에 배포된 모든 Adobe 제품 및 서비스의 상태 정보를 전달합니다.고객은 구독 기본 설정을 선택하여 Adobe가 제품 이벤트를 생성 업데이트 또는 해결할 때마다 이메일 알림을 받을 수 있습니다.여기에는 예정된 유지 관리 또는 다양한 심각도 수준의 서비스 문제가 포함될 수 있습니다.</a:t>
                       </a:r>
                     </a:p>
                   </a:txBody>
@@ -14985,7 +14138,7 @@
                         <a:defRPr/>
                       </a:pPr>
                       <a:r>
-                        <a:rPr lang="en-US" sz="1200" dirty="0">
+                        <a:rPr lang="ja-jp" sz="1200" dirty="0">
                           <a:solidFill>
                             <a:srgbClr val="5F5F5F"/>
                           </a:solidFill>
@@ -15001,7 +14154,7 @@
                             </a:extLst>
                           </a:hlinkClick>
                         </a:rPr>
-                        <a:t>Terms and Conditions</a:t>
+                        <a:t>약관</a:t>
                       </a:r>
                       <a:endParaRPr lang="en-US" sz="1200" dirty="0">
                         <a:solidFill>
@@ -15068,7 +14221,7 @@
                     <a:lstStyle/>
                     <a:p>
                       <a:r>
-                        <a:rPr lang="en-US" sz="1000" kern="1200" dirty="0">
+                        <a:rPr lang="ja-jp" sz="1000" kern="1200" dirty="0">
                           <a:solidFill>
                             <a:schemeClr val="tx1"/>
                           </a:solidFill>
@@ -15076,7 +14229,7 @@
                           <a:ea typeface="+mn-ea"/>
                           <a:cs typeface="+mn-cs"/>
                         </a:rPr>
-                        <a:t>Terms and conditions detailing Support Services offerings.</a:t>
+                        <a:t>지원 서비스 제공 사항을 자세히 설명하는 약관입니다.</a:t>
                       </a:r>
                     </a:p>
                   </a:txBody>
@@ -15140,7 +14293,7 @@
       </p:graphicFrame>
       <p:pic>
         <p:nvPicPr>
-          <p:cNvPr id="8" name="Graphic 7" descr="Target outline">
+          <p:cNvPr id="8" name="Graphic 7" descr="타겟 개요">
             <a:extLst>
               <a:ext uri="{FF2B5EF4-FFF2-40B4-BE49-F238E27FC236}">
                 <a16:creationId xmlns:a16="http://schemas.microsoft.com/office/drawing/2014/main" id="{1EAA263E-04A7-0D46-952E-EA3033B45116}"/>
@@ -15179,7 +14332,7 @@
       </p:pic>
       <p:pic>
         <p:nvPicPr>
-          <p:cNvPr id="10" name="Graphic 9" descr="Rocket outline">
+          <p:cNvPr id="10" name="Graphic 9" descr="로켓 개요">
             <a:extLst>
               <a:ext uri="{FF2B5EF4-FFF2-40B4-BE49-F238E27FC236}">
                 <a16:creationId xmlns:a16="http://schemas.microsoft.com/office/drawing/2014/main" id="{A068EBC3-B418-4E4A-A520-101CA4B39F23}"/>
@@ -15218,7 +14371,7 @@
       </p:pic>
       <p:pic>
         <p:nvPicPr>
-          <p:cNvPr id="12" name="Graphic 11" descr="Medal outline">
+          <p:cNvPr id="12" name="Graphic 11" descr="메달 개요">
             <a:extLst>
               <a:ext uri="{FF2B5EF4-FFF2-40B4-BE49-F238E27FC236}">
                 <a16:creationId xmlns:a16="http://schemas.microsoft.com/office/drawing/2014/main" id="{C7BEFC2D-0CA6-0448-B9FA-6E1581CA6D36}"/>
